--- a/2.项目PPT/需求2.0PPT.pptx
+++ b/2.项目PPT/需求2.0PPT.pptx
@@ -8123,28 +8123,20 @@
         <p:spPr/>
         <p:txBody>
           <a:bodyPr>
-            <a:normAutofit/>
+            <a:normAutofit lnSpcReduction="10000"/>
           </a:bodyPr>
           <a:lstStyle/>
           <a:p>
             <a:r>
               <a:rPr kumimoji="1" lang="zh-CN" altLang="en-US" sz="2400" dirty="0" smtClean="0"/>
-              <a:t>负载均衡</a:t>
-            </a:r>
-            <a:endParaRPr kumimoji="1" lang="zh-CN" altLang="en-US" sz="2400" dirty="0" smtClean="0"/>
-          </a:p>
-          <a:p>
-            <a:pPr lvl="1"/>
-            <a:r>
-              <a:rPr kumimoji="1" lang="zh-CN" altLang="en-US" sz="2160" dirty="0" smtClean="0"/>
-              <a:t>反向代理</a:t>
+              <a:t>跨平台</a:t>
             </a:r>
             <a:endParaRPr kumimoji="1" lang="en-US" altLang="zh-CN" sz="2160" dirty="0" smtClean="0"/>
           </a:p>
           <a:p>
             <a:r>
               <a:rPr kumimoji="1" lang="zh-CN" altLang="en-US" sz="2400" dirty="0" smtClean="0"/>
-              <a:t>高可用</a:t>
+              <a:t>稳定性</a:t>
             </a:r>
             <a:endParaRPr kumimoji="1" lang="zh-CN" altLang="en-US" sz="2400" dirty="0" smtClean="0"/>
           </a:p>
@@ -8166,7 +8158,7 @@
           <a:p>
             <a:r>
               <a:rPr kumimoji="1" lang="zh-CN" altLang="en-US" sz="2400" dirty="0" smtClean="0"/>
-              <a:t>高并发</a:t>
+              <a:t>高性能</a:t>
             </a:r>
             <a:endParaRPr kumimoji="1" lang="zh-CN" altLang="en-US" sz="2160" dirty="0" smtClean="0"/>
           </a:p>

--- a/2.项目PPT/需求2.0PPT.pptx
+++ b/2.项目PPT/需求2.0PPT.pptx
@@ -16,8 +16,9 @@
     <p:sldId id="265" r:id="rId9"/>
     <p:sldId id="266" r:id="rId10"/>
     <p:sldId id="271" r:id="rId11"/>
-    <p:sldId id="268" r:id="rId12"/>
-    <p:sldId id="261" r:id="rId13"/>
+    <p:sldId id="284" r:id="rId12"/>
+    <p:sldId id="268" r:id="rId13"/>
+    <p:sldId id="261" r:id="rId14"/>
   </p:sldIdLst>
   <p:sldSz cx="9144000" cy="6858000" type="screen4x3"/>
   <p:notesSz cx="6858000" cy="9144000"/>
@@ -7111,6 +7112,124 @@
           <a:lstStyle/>
           <a:p>
             <a:r>
+              <a:rPr kumimoji="1" lang="zh-CN" altLang="en-US" dirty="0"/>
+              <a:t>非功能属性</a:t>
+            </a:r>
+            <a:endParaRPr kumimoji="1" lang="zh-CN" altLang="en-US" dirty="0"/>
+          </a:p>
+        </p:txBody>
+      </p:sp>
+      <p:sp>
+        <p:nvSpPr>
+          <p:cNvPr id="3" name="内容占位符 2"/>
+          <p:cNvSpPr>
+            <a:spLocks noGrp="1"/>
+          </p:cNvSpPr>
+          <p:nvPr>
+            <p:ph idx="1"/>
+          </p:nvPr>
+        </p:nvSpPr>
+        <p:spPr/>
+        <p:txBody>
+          <a:bodyPr>
+            <a:normAutofit lnSpcReduction="10000"/>
+          </a:bodyPr>
+          <a:lstStyle/>
+          <a:p>
+            <a:r>
+              <a:rPr kumimoji="1" lang="zh-CN" altLang="en-US" sz="2400" dirty="0" smtClean="0"/>
+              <a:t>跨平台</a:t>
+            </a:r>
+            <a:endParaRPr kumimoji="1" lang="en-US" altLang="zh-CN" sz="2160" dirty="0" smtClean="0"/>
+          </a:p>
+          <a:p>
+            <a:r>
+              <a:rPr kumimoji="1" lang="zh-CN" altLang="en-US" sz="2400" dirty="0" smtClean="0"/>
+              <a:t>稳定性</a:t>
+            </a:r>
+            <a:endParaRPr kumimoji="1" lang="zh-CN" altLang="en-US" sz="2400" dirty="0" smtClean="0"/>
+          </a:p>
+          <a:p>
+            <a:r>
+              <a:rPr kumimoji="1" lang="zh-CN" altLang="en-US" sz="2400" dirty="0" smtClean="0"/>
+              <a:t>易扩展</a:t>
+            </a:r>
+            <a:endParaRPr kumimoji="1" lang="zh-CN" altLang="en-US" sz="2400" dirty="0" smtClean="0"/>
+          </a:p>
+          <a:p>
+            <a:pPr lvl="1"/>
+            <a:r>
+              <a:rPr kumimoji="1" lang="zh-CN" altLang="en-US" sz="2160" dirty="0" smtClean="0"/>
+              <a:t>模块化设计</a:t>
+            </a:r>
+            <a:endParaRPr kumimoji="1" lang="zh-CN" altLang="en-US" sz="2160" dirty="0" smtClean="0"/>
+          </a:p>
+          <a:p>
+            <a:r>
+              <a:rPr kumimoji="1" lang="zh-CN" altLang="en-US" sz="2400" dirty="0" smtClean="0"/>
+              <a:t>高性能</a:t>
+            </a:r>
+            <a:endParaRPr kumimoji="1" lang="zh-CN" altLang="en-US" sz="2160" dirty="0" smtClean="0"/>
+          </a:p>
+          <a:p>
+            <a:pPr lvl="1"/>
+            <a:r>
+              <a:rPr kumimoji="1" lang="zh-CN" altLang="en-US" sz="2160" dirty="0" smtClean="0"/>
+              <a:t>请求处理机制</a:t>
+            </a:r>
+            <a:endParaRPr kumimoji="1" lang="zh-CN" altLang="en-US" sz="2160" dirty="0" smtClean="0"/>
+          </a:p>
+          <a:p>
+            <a:pPr lvl="1"/>
+            <a:r>
+              <a:rPr kumimoji="1" lang="zh-CN" altLang="en-US" sz="2160" dirty="0" smtClean="0"/>
+              <a:t>事件驱动模型</a:t>
+            </a:r>
+            <a:endParaRPr kumimoji="1" lang="zh-CN" altLang="en-US" sz="2160" dirty="0"/>
+          </a:p>
+        </p:txBody>
+      </p:sp>
+    </p:spTree>
+  </p:cSld>
+  <p:clrMapOvr>
+    <a:masterClrMapping/>
+  </p:clrMapOvr>
+</p:sld>
+</file>
+
+<file path=ppt/slides/slide11.xml><?xml version="1.0" encoding="utf-8"?>
+<p:sld xmlns:a="http://schemas.openxmlformats.org/drawingml/2006/main" xmlns:r="http://schemas.openxmlformats.org/officeDocument/2006/relationships" xmlns:p="http://schemas.openxmlformats.org/presentationml/2006/main">
+  <p:cSld>
+    <p:spTree>
+      <p:nvGrpSpPr>
+        <p:cNvPr id="1" name=""/>
+        <p:cNvGrpSpPr/>
+        <p:nvPr/>
+      </p:nvGrpSpPr>
+      <p:grpSpPr>
+        <a:xfrm>
+          <a:off x="0" y="0"/>
+          <a:ext cx="0" cy="0"/>
+          <a:chOff x="0" y="0"/>
+          <a:chExt cx="0" cy="0"/>
+        </a:xfrm>
+      </p:grpSpPr>
+      <p:sp>
+        <p:nvSpPr>
+          <p:cNvPr id="2" name="标题 1"/>
+          <p:cNvSpPr>
+            <a:spLocks noGrp="1"/>
+          </p:cNvSpPr>
+          <p:nvPr>
+            <p:ph type="title"/>
+          </p:nvPr>
+        </p:nvSpPr>
+        <p:spPr/>
+        <p:txBody>
+          <a:bodyPr/>
+          <a:lstStyle/>
+          <a:p>
+            <a:r>
               <a:rPr kumimoji="1" lang="zh-CN" altLang="en-US" dirty="0" smtClean="0"/>
               <a:t>参考资料</a:t>
             </a:r>
@@ -7438,7 +7557,7 @@
       </p:sp>
       <p:pic>
         <p:nvPicPr>
-          <p:cNvPr id="5" name="内容占位符 4" descr="需求__用例图_1"/>
+          <p:cNvPr id="4" name="内容占位符 3" descr="用例图"/>
           <p:cNvPicPr>
             <a:picLocks noChangeAspect="1"/>
           </p:cNvPicPr>
@@ -7454,8 +7573,8 @@
         </p:blipFill>
         <p:spPr>
           <a:xfrm>
-            <a:off x="-21590" y="1160145"/>
-            <a:ext cx="9154795" cy="5323840"/>
+            <a:off x="-8890" y="977265"/>
+            <a:ext cx="8812530" cy="5124450"/>
           </a:xfrm>
           <a:prstGeom prst="rect">
             <a:avLst/>
@@ -8079,14 +8198,7 @@
         <p:cNvGrpSpPr/>
         <p:nvPr/>
       </p:nvGrpSpPr>
-      <p:grpSpPr>
-        <a:xfrm>
-          <a:off x="0" y="0"/>
-          <a:ext cx="0" cy="0"/>
-          <a:chOff x="0" y="0"/>
-          <a:chExt cx="0" cy="0"/>
-        </a:xfrm>
-      </p:grpSpPr>
+      <p:grpSpPr/>
       <p:sp>
         <p:nvSpPr>
           <p:cNvPr id="2" name="标题 1"/>
@@ -8100,13 +8212,20 @@
         <p:spPr/>
         <p:txBody>
           <a:bodyPr/>
-          <a:lstStyle/>
-          <a:p>
-            <a:r>
-              <a:rPr kumimoji="1" lang="zh-CN" altLang="en-US" dirty="0"/>
-              <a:t>非功能属性</a:t>
-            </a:r>
-            <a:endParaRPr kumimoji="1" lang="zh-CN" altLang="en-US" dirty="0"/>
+          <a:p>
+            <a:r>
+              <a:rPr lang="zh-CN" altLang="en-US"/>
+              <a:t>拓展功能</a:t>
+            </a:r>
+            <a:r>
+              <a:rPr lang="en-US" altLang="zh-CN"/>
+              <a:t>--</a:t>
+            </a:r>
+            <a:r>
+              <a:rPr lang="zh-CN" altLang="en-US"/>
+              <a:t>图形化配置</a:t>
+            </a:r>
+            <a:endParaRPr lang="zh-CN" altLang="en-US"/>
           </a:p>
         </p:txBody>
       </p:sp>
@@ -8123,60 +8242,99 @@
         <p:spPr/>
         <p:txBody>
           <a:bodyPr>
-            <a:normAutofit lnSpcReduction="10000"/>
+            <a:normAutofit fontScale="90000" lnSpcReduction="20000"/>
           </a:bodyPr>
-          <a:lstStyle/>
-          <a:p>
-            <a:r>
-              <a:rPr kumimoji="1" lang="zh-CN" altLang="en-US" sz="2400" dirty="0" smtClean="0"/>
-              <a:t>跨平台</a:t>
-            </a:r>
-            <a:endParaRPr kumimoji="1" lang="en-US" altLang="zh-CN" sz="2160" dirty="0" smtClean="0"/>
-          </a:p>
-          <a:p>
-            <a:r>
-              <a:rPr kumimoji="1" lang="zh-CN" altLang="en-US" sz="2400" dirty="0" smtClean="0"/>
-              <a:t>稳定性</a:t>
-            </a:r>
-            <a:endParaRPr kumimoji="1" lang="zh-CN" altLang="en-US" sz="2400" dirty="0" smtClean="0"/>
-          </a:p>
-          <a:p>
-            <a:r>
-              <a:rPr kumimoji="1" lang="zh-CN" altLang="en-US" sz="2400" dirty="0" smtClean="0"/>
-              <a:t>易扩展</a:t>
-            </a:r>
-            <a:endParaRPr kumimoji="1" lang="zh-CN" altLang="en-US" sz="2400" dirty="0" smtClean="0"/>
-          </a:p>
-          <a:p>
-            <a:pPr lvl="1"/>
-            <a:r>
-              <a:rPr kumimoji="1" lang="zh-CN" altLang="en-US" sz="2160" dirty="0" smtClean="0"/>
-              <a:t>模块化设计</a:t>
-            </a:r>
-            <a:endParaRPr kumimoji="1" lang="zh-CN" altLang="en-US" sz="2160" dirty="0" smtClean="0"/>
-          </a:p>
-          <a:p>
-            <a:r>
-              <a:rPr kumimoji="1" lang="zh-CN" altLang="en-US" sz="2400" dirty="0" smtClean="0"/>
-              <a:t>高性能</a:t>
-            </a:r>
-            <a:endParaRPr kumimoji="1" lang="zh-CN" altLang="en-US" sz="2160" dirty="0" smtClean="0"/>
-          </a:p>
-          <a:p>
-            <a:pPr lvl="1"/>
-            <a:r>
-              <a:rPr kumimoji="1" lang="zh-CN" altLang="en-US" sz="2160" dirty="0" smtClean="0"/>
-              <a:t>请求处理机制</a:t>
-            </a:r>
-            <a:endParaRPr kumimoji="1" lang="zh-CN" altLang="en-US" sz="2160" dirty="0" smtClean="0"/>
-          </a:p>
-          <a:p>
-            <a:pPr lvl="1"/>
-            <a:r>
-              <a:rPr kumimoji="1" lang="zh-CN" altLang="en-US" sz="2160" dirty="0" smtClean="0"/>
-              <a:t>事件驱动模型</a:t>
-            </a:r>
-            <a:endParaRPr kumimoji="1" lang="zh-CN" altLang="en-US" sz="2160" dirty="0"/>
+          <a:p>
+            <a:r>
+              <a:rPr lang="zh-CN" altLang="en-US"/>
+              <a:t>用户组</a:t>
+            </a:r>
+            <a:endParaRPr lang="zh-CN" altLang="en-US"/>
+          </a:p>
+          <a:p>
+            <a:r>
+              <a:rPr lang="en-US" altLang="zh-CN"/>
+              <a:t>worker process</a:t>
+            </a:r>
+            <a:r>
+              <a:rPr lang="zh-CN" altLang="en-US"/>
+              <a:t>数</a:t>
+            </a:r>
+            <a:endParaRPr lang="zh-CN" altLang="en-US"/>
+          </a:p>
+          <a:p>
+            <a:r>
+              <a:rPr lang="en-US" altLang="zh-CN"/>
+              <a:t>pid</a:t>
+            </a:r>
+            <a:r>
+              <a:rPr lang="zh-CN" altLang="en-US"/>
+              <a:t>存放路径</a:t>
+            </a:r>
+            <a:endParaRPr lang="zh-CN" altLang="en-US"/>
+          </a:p>
+          <a:p>
+            <a:r>
+              <a:rPr lang="zh-CN" altLang="en-US"/>
+              <a:t>日志路径</a:t>
+            </a:r>
+            <a:endParaRPr lang="zh-CN" altLang="en-US"/>
+          </a:p>
+          <a:p>
+            <a:r>
+              <a:rPr lang="zh-CN" altLang="en-US"/>
+              <a:t>网络连接序列化</a:t>
+            </a:r>
+            <a:endParaRPr lang="zh-CN" altLang="en-US"/>
+          </a:p>
+          <a:p>
+            <a:r>
+              <a:rPr lang="zh-CN" altLang="en-US"/>
+              <a:t>接收多个网络连接</a:t>
+            </a:r>
+            <a:endParaRPr lang="zh-CN" altLang="en-US"/>
+          </a:p>
+          <a:p>
+            <a:r>
+              <a:rPr lang="zh-CN" altLang="en-US"/>
+              <a:t>事件驱动模型的选择</a:t>
+            </a:r>
+            <a:endParaRPr lang="zh-CN" altLang="en-US"/>
+          </a:p>
+          <a:p>
+            <a:r>
+              <a:rPr lang="zh-CN" altLang="en-US"/>
+              <a:t>最大连接数</a:t>
+            </a:r>
+            <a:endParaRPr lang="zh-CN" altLang="en-US"/>
+          </a:p>
+          <a:p>
+            <a:r>
+              <a:rPr lang="zh-CN" altLang="en-US"/>
+              <a:t>虚拟主机</a:t>
+            </a:r>
+            <a:endParaRPr lang="zh-CN" altLang="en-US"/>
+          </a:p>
+          <a:p>
+            <a:r>
+              <a:rPr lang="en-US" altLang="zh-CN"/>
+              <a:t>location</a:t>
+            </a:r>
+            <a:endParaRPr lang="en-US" altLang="zh-CN"/>
+          </a:p>
+          <a:p>
+            <a:r>
+              <a:rPr lang="zh-CN" altLang="en-US"/>
+              <a:t>根目录</a:t>
+            </a:r>
+            <a:endParaRPr lang="zh-CN" altLang="en-US"/>
+          </a:p>
+          <a:p>
+            <a:r>
+              <a:rPr lang="zh-CN" altLang="en-US"/>
+              <a:t>错误页</a:t>
+            </a:r>
+            <a:endParaRPr lang="zh-CN" altLang="en-US"/>
           </a:p>
         </p:txBody>
       </p:sp>

--- a/2.项目PPT/需求2.0PPT.pptx
+++ b/2.项目PPT/需求2.0PPT.pptx
@@ -5,7 +5,7 @@
     <p:sldMasterId id="2147483666" r:id="rId1"/>
   </p:sldMasterIdLst>
   <p:notesMasterIdLst>
-    <p:notesMasterId r:id="rId15"/>
+    <p:notesMasterId r:id="rId19"/>
   </p:notesMasterIdLst>
   <p:sldIdLst>
     <p:sldId id="256" r:id="rId2"/>
@@ -20,7 +20,11 @@
     <p:sldId id="268" r:id="rId11"/>
     <p:sldId id="285" r:id="rId12"/>
     <p:sldId id="286" r:id="rId13"/>
-    <p:sldId id="261" r:id="rId14"/>
+    <p:sldId id="287" r:id="rId14"/>
+    <p:sldId id="288" r:id="rId15"/>
+    <p:sldId id="289" r:id="rId16"/>
+    <p:sldId id="290" r:id="rId17"/>
+    <p:sldId id="261" r:id="rId18"/>
   </p:sldIdLst>
   <p:sldSz cx="9144000" cy="6858000" type="screen4x3"/>
   <p:notesSz cx="6858000" cy="9144000"/>
@@ -1686,7 +1690,7 @@
           <a:p>
             <a:fld id="{49B23D29-C40C-0346-802A-E643F7B2F847}" type="slidenum">
               <a:rPr kumimoji="1" lang="zh-CN" altLang="en-US" smtClean="0"/>
-              <a:t>13</a:t>
+              <a:t>17</a:t>
             </a:fld>
             <a:endParaRPr kumimoji="1" lang="zh-CN" altLang="en-US"/>
           </a:p>
@@ -4859,11 +4863,7 @@
           <a:p>
             <a:r>
               <a:rPr kumimoji="1" lang="zh-CN" altLang="en-US" dirty="0" smtClean="0"/>
-              <a:t>易</a:t>
-            </a:r>
-            <a:r>
-              <a:rPr kumimoji="1" lang="zh-CN" altLang="en-US" dirty="0" smtClean="0"/>
-              <a:t>扩展</a:t>
+              <a:t>易扩展</a:t>
             </a:r>
           </a:p>
           <a:p>
@@ -4892,11 +4892,7 @@
             <a:pPr lvl="1"/>
             <a:r>
               <a:rPr kumimoji="1" lang="zh-CN" altLang="en-US" dirty="0" smtClean="0"/>
-              <a:t>请求</a:t>
-            </a:r>
-            <a:r>
-              <a:rPr kumimoji="1" lang="zh-CN" altLang="en-US" dirty="0" smtClean="0"/>
-              <a:t>处理机制</a:t>
+              <a:t>请求处理机制</a:t>
             </a:r>
           </a:p>
           <a:p>
@@ -5987,6 +5983,596 @@
 </file>
 
 <file path=ppt/slides/slide13.xml><?xml version="1.0" encoding="utf-8"?>
+<p:sld xmlns:a="http://schemas.openxmlformats.org/drawingml/2006/main" xmlns:r="http://schemas.openxmlformats.org/officeDocument/2006/relationships" xmlns:p="http://schemas.openxmlformats.org/presentationml/2006/main">
+  <p:cSld>
+    <p:spTree>
+      <p:nvGrpSpPr>
+        <p:cNvPr id="1" name=""/>
+        <p:cNvGrpSpPr/>
+        <p:nvPr/>
+      </p:nvGrpSpPr>
+      <p:grpSpPr>
+        <a:xfrm>
+          <a:off x="0" y="0"/>
+          <a:ext cx="0" cy="0"/>
+          <a:chOff x="0" y="0"/>
+          <a:chExt cx="0" cy="0"/>
+        </a:xfrm>
+      </p:grpSpPr>
+      <p:sp>
+        <p:nvSpPr>
+          <p:cNvPr id="2" name="标题 1"/>
+          <p:cNvSpPr>
+            <a:spLocks noGrp="1"/>
+          </p:cNvSpPr>
+          <p:nvPr>
+            <p:ph type="title"/>
+          </p:nvPr>
+        </p:nvSpPr>
+        <p:spPr/>
+        <p:txBody>
+          <a:bodyPr/>
+          <a:lstStyle/>
+          <a:p>
+            <a:r>
+              <a:rPr lang="en-US" altLang="zh-CN" dirty="0" smtClean="0"/>
+              <a:t>Q&amp;A</a:t>
+            </a:r>
+            <a:endParaRPr lang="zh-CN" altLang="en-US" dirty="0"/>
+          </a:p>
+        </p:txBody>
+      </p:sp>
+      <p:sp>
+        <p:nvSpPr>
+          <p:cNvPr id="3" name="内容占位符 2"/>
+          <p:cNvSpPr>
+            <a:spLocks noGrp="1"/>
+          </p:cNvSpPr>
+          <p:nvPr>
+            <p:ph idx="1"/>
+          </p:nvPr>
+        </p:nvSpPr>
+        <p:spPr/>
+        <p:txBody>
+          <a:bodyPr>
+            <a:normAutofit/>
+          </a:bodyPr>
+          <a:lstStyle/>
+          <a:p>
+            <a:r>
+              <a:rPr lang="zh-CN" altLang="en-US" sz="2400" dirty="0"/>
+              <a:t>开发部分表述不是很清楚，是“实现对</a:t>
+            </a:r>
+            <a:r>
+              <a:rPr lang="en-US" altLang="zh-CN" sz="2400" dirty="0" err="1"/>
+              <a:t>Nginx</a:t>
+            </a:r>
+            <a:r>
+              <a:rPr lang="zh-CN" altLang="en-US" sz="2400" dirty="0"/>
+              <a:t>服务器基本配置的可视化”吗？还是其他的</a:t>
+            </a:r>
+            <a:r>
+              <a:rPr lang="zh-CN" altLang="en-US" sz="2400" dirty="0" smtClean="0"/>
+              <a:t>？</a:t>
+            </a:r>
+            <a:endParaRPr lang="en-US" altLang="zh-CN" sz="2000" dirty="0"/>
+          </a:p>
+          <a:p>
+            <a:r>
+              <a:rPr lang="zh-CN" altLang="en-US" sz="2400" dirty="0" smtClean="0"/>
+              <a:t>系统概述部分的标题以内容不符（标题是系统概述，个人理解应该是关于系统的一些东西，但是内容却是你们小组想要干的一些具体的事情）</a:t>
+            </a:r>
+            <a:endParaRPr lang="en-US" altLang="zh-CN" sz="2400" dirty="0" smtClean="0"/>
+          </a:p>
+          <a:p>
+            <a:endParaRPr lang="zh-CN" altLang="en-US" sz="2400" dirty="0"/>
+          </a:p>
+        </p:txBody>
+      </p:sp>
+      <p:pic>
+        <p:nvPicPr>
+          <p:cNvPr id="1026" name="Picture 2"/>
+          <p:cNvPicPr>
+            <a:picLocks noChangeAspect="1" noChangeArrowheads="1"/>
+          </p:cNvPicPr>
+          <p:nvPr/>
+        </p:nvPicPr>
+        <p:blipFill>
+          <a:blip r:embed="rId2">
+            <a:extLst>
+              <a:ext uri="{28A0092B-C50C-407E-A947-70E740481C1C}">
+                <a14:useLocalDpi xmlns:a14="http://schemas.microsoft.com/office/drawing/2010/main" val="0"/>
+              </a:ext>
+            </a:extLst>
+          </a:blip>
+          <a:srcRect/>
+          <a:stretch>
+            <a:fillRect/>
+          </a:stretch>
+        </p:blipFill>
+        <p:spPr bwMode="auto">
+          <a:xfrm>
+            <a:off x="1213686" y="3745831"/>
+            <a:ext cx="5657850" cy="1676400"/>
+          </a:xfrm>
+          <a:prstGeom prst="rect">
+            <a:avLst/>
+          </a:prstGeom>
+          <a:noFill/>
+          <a:ln>
+            <a:noFill/>
+          </a:ln>
+          <a:effectLst/>
+          <a:extLst>
+            <a:ext uri="{909E8E84-426E-40DD-AFC4-6F175D3DCCD1}">
+              <a14:hiddenFill xmlns:a14="http://schemas.microsoft.com/office/drawing/2010/main">
+                <a:solidFill>
+                  <a:schemeClr val="accent1"/>
+                </a:solidFill>
+              </a14:hiddenFill>
+            </a:ext>
+            <a:ext uri="{91240B29-F687-4F45-9708-019B960494DF}">
+              <a14:hiddenLine xmlns:a14="http://schemas.microsoft.com/office/drawing/2010/main" w="9525">
+                <a:solidFill>
+                  <a:schemeClr val="tx1"/>
+                </a:solidFill>
+                <a:miter lim="800000"/>
+                <a:headEnd/>
+                <a:tailEnd/>
+              </a14:hiddenLine>
+            </a:ext>
+            <a:ext uri="{AF507438-7753-43E0-B8FC-AC1667EBCBE1}">
+              <a14:hiddenEffects xmlns:a14="http://schemas.microsoft.com/office/drawing/2010/main">
+                <a:effectLst>
+                  <a:outerShdw dist="35921" dir="2700000" algn="ctr" rotWithShape="0">
+                    <a:schemeClr val="bg2"/>
+                  </a:outerShdw>
+                </a:effectLst>
+              </a14:hiddenEffects>
+            </a:ext>
+          </a:extLst>
+        </p:spPr>
+      </p:pic>
+    </p:spTree>
+    <p:extLst>
+      <p:ext uri="{BB962C8B-B14F-4D97-AF65-F5344CB8AC3E}">
+        <p14:creationId xmlns:p14="http://schemas.microsoft.com/office/powerpoint/2010/main" val="382323283"/>
+      </p:ext>
+    </p:extLst>
+  </p:cSld>
+  <p:clrMapOvr>
+    <a:masterClrMapping/>
+  </p:clrMapOvr>
+</p:sld>
+</file>
+
+<file path=ppt/slides/slide14.xml><?xml version="1.0" encoding="utf-8"?>
+<p:sld xmlns:a="http://schemas.openxmlformats.org/drawingml/2006/main" xmlns:r="http://schemas.openxmlformats.org/officeDocument/2006/relationships" xmlns:p="http://schemas.openxmlformats.org/presentationml/2006/main">
+  <p:cSld>
+    <p:spTree>
+      <p:nvGrpSpPr>
+        <p:cNvPr id="1" name=""/>
+        <p:cNvGrpSpPr/>
+        <p:nvPr/>
+      </p:nvGrpSpPr>
+      <p:grpSpPr>
+        <a:xfrm>
+          <a:off x="0" y="0"/>
+          <a:ext cx="0" cy="0"/>
+          <a:chOff x="0" y="0"/>
+          <a:chExt cx="0" cy="0"/>
+        </a:xfrm>
+      </p:grpSpPr>
+      <p:sp>
+        <p:nvSpPr>
+          <p:cNvPr id="2" name="标题 1"/>
+          <p:cNvSpPr>
+            <a:spLocks noGrp="1"/>
+          </p:cNvSpPr>
+          <p:nvPr>
+            <p:ph type="title"/>
+          </p:nvPr>
+        </p:nvSpPr>
+        <p:spPr/>
+        <p:txBody>
+          <a:bodyPr/>
+          <a:lstStyle/>
+          <a:p>
+            <a:r>
+              <a:rPr lang="en-US" altLang="zh-CN" dirty="0" smtClean="0"/>
+              <a:t>Q&amp;A</a:t>
+            </a:r>
+            <a:endParaRPr lang="zh-CN" altLang="en-US" dirty="0"/>
+          </a:p>
+        </p:txBody>
+      </p:sp>
+      <p:sp>
+        <p:nvSpPr>
+          <p:cNvPr id="3" name="内容占位符 2"/>
+          <p:cNvSpPr>
+            <a:spLocks noGrp="1"/>
+          </p:cNvSpPr>
+          <p:nvPr>
+            <p:ph idx="1"/>
+          </p:nvPr>
+        </p:nvSpPr>
+        <p:spPr/>
+        <p:txBody>
+          <a:bodyPr>
+            <a:normAutofit/>
+          </a:bodyPr>
+          <a:lstStyle/>
+          <a:p>
+            <a:r>
+              <a:rPr lang="zh-CN" altLang="en-US" sz="2800" dirty="0"/>
+              <a:t>后边的非功能性需求的标准部分没有具体的指标，只有一个大概的描述。还有这些性能的测试也包含在你们之后的工作中吗</a:t>
+            </a:r>
+            <a:r>
+              <a:rPr lang="zh-CN" altLang="en-US" sz="2800" dirty="0" smtClean="0"/>
+              <a:t>？</a:t>
+            </a:r>
+            <a:endParaRPr lang="zh-CN" altLang="en-US" sz="2800" dirty="0"/>
+          </a:p>
+          <a:p>
+            <a:r>
+              <a:rPr lang="zh-CN" altLang="en-US" sz="2800" dirty="0"/>
+              <a:t>我觉得</a:t>
+            </a:r>
+            <a:r>
+              <a:rPr lang="en-US" altLang="zh-CN" sz="2800" dirty="0"/>
+              <a:t>1.2</a:t>
+            </a:r>
+            <a:r>
+              <a:rPr lang="zh-CN" altLang="en-US" sz="2800" dirty="0"/>
+              <a:t>和</a:t>
+            </a:r>
+            <a:r>
+              <a:rPr lang="en-US" altLang="zh-CN" sz="2800" dirty="0"/>
+              <a:t>3.2</a:t>
+            </a:r>
+            <a:r>
+              <a:rPr lang="zh-CN" altLang="en-US" sz="2800" dirty="0"/>
+              <a:t>节叙述的有些简略。可以稍微详细</a:t>
+            </a:r>
+            <a:r>
+              <a:rPr lang="zh-CN" altLang="en-US" sz="2800" dirty="0" smtClean="0"/>
+              <a:t>一点</a:t>
+            </a:r>
+            <a:endParaRPr lang="en-US" altLang="zh-CN" sz="2800" dirty="0" smtClean="0"/>
+          </a:p>
+          <a:p>
+            <a:endParaRPr lang="zh-CN" altLang="en-US" sz="2800" dirty="0"/>
+          </a:p>
+        </p:txBody>
+      </p:sp>
+      <p:pic>
+        <p:nvPicPr>
+          <p:cNvPr id="2050" name="Picture 2"/>
+          <p:cNvPicPr>
+            <a:picLocks noChangeAspect="1" noChangeArrowheads="1"/>
+          </p:cNvPicPr>
+          <p:nvPr/>
+        </p:nvPicPr>
+        <p:blipFill>
+          <a:blip r:embed="rId2">
+            <a:extLst>
+              <a:ext uri="{28A0092B-C50C-407E-A947-70E740481C1C}">
+                <a14:useLocalDpi xmlns:a14="http://schemas.microsoft.com/office/drawing/2010/main" val="0"/>
+              </a:ext>
+            </a:extLst>
+          </a:blip>
+          <a:srcRect/>
+          <a:stretch>
+            <a:fillRect/>
+          </a:stretch>
+        </p:blipFill>
+        <p:spPr bwMode="auto">
+          <a:xfrm>
+            <a:off x="1366253" y="4018046"/>
+            <a:ext cx="5688013" cy="1733550"/>
+          </a:xfrm>
+          <a:prstGeom prst="rect">
+            <a:avLst/>
+          </a:prstGeom>
+          <a:noFill/>
+          <a:ln>
+            <a:noFill/>
+          </a:ln>
+          <a:effectLst/>
+          <a:extLst>
+            <a:ext uri="{909E8E84-426E-40DD-AFC4-6F175D3DCCD1}">
+              <a14:hiddenFill xmlns:a14="http://schemas.microsoft.com/office/drawing/2010/main">
+                <a:solidFill>
+                  <a:schemeClr val="accent1"/>
+                </a:solidFill>
+              </a14:hiddenFill>
+            </a:ext>
+            <a:ext uri="{91240B29-F687-4F45-9708-019B960494DF}">
+              <a14:hiddenLine xmlns:a14="http://schemas.microsoft.com/office/drawing/2010/main" w="9525">
+                <a:solidFill>
+                  <a:schemeClr val="tx1"/>
+                </a:solidFill>
+                <a:miter lim="800000"/>
+                <a:headEnd/>
+                <a:tailEnd/>
+              </a14:hiddenLine>
+            </a:ext>
+            <a:ext uri="{AF507438-7753-43E0-B8FC-AC1667EBCBE1}">
+              <a14:hiddenEffects xmlns:a14="http://schemas.microsoft.com/office/drawing/2010/main">
+                <a:effectLst>
+                  <a:outerShdw dist="35921" dir="2700000" algn="ctr" rotWithShape="0">
+                    <a:schemeClr val="bg2"/>
+                  </a:outerShdw>
+                </a:effectLst>
+              </a14:hiddenEffects>
+            </a:ext>
+          </a:extLst>
+        </p:spPr>
+      </p:pic>
+    </p:spTree>
+    <p:extLst>
+      <p:ext uri="{BB962C8B-B14F-4D97-AF65-F5344CB8AC3E}">
+        <p14:creationId xmlns:p14="http://schemas.microsoft.com/office/powerpoint/2010/main" val="102101530"/>
+      </p:ext>
+    </p:extLst>
+  </p:cSld>
+  <p:clrMapOvr>
+    <a:masterClrMapping/>
+  </p:clrMapOvr>
+</p:sld>
+</file>
+
+<file path=ppt/slides/slide15.xml><?xml version="1.0" encoding="utf-8"?>
+<p:sld xmlns:a="http://schemas.openxmlformats.org/drawingml/2006/main" xmlns:r="http://schemas.openxmlformats.org/officeDocument/2006/relationships" xmlns:p="http://schemas.openxmlformats.org/presentationml/2006/main">
+  <p:cSld>
+    <p:spTree>
+      <p:nvGrpSpPr>
+        <p:cNvPr id="1" name=""/>
+        <p:cNvGrpSpPr/>
+        <p:nvPr/>
+      </p:nvGrpSpPr>
+      <p:grpSpPr>
+        <a:xfrm>
+          <a:off x="0" y="0"/>
+          <a:ext cx="0" cy="0"/>
+          <a:chOff x="0" y="0"/>
+          <a:chExt cx="0" cy="0"/>
+        </a:xfrm>
+      </p:grpSpPr>
+      <p:sp>
+        <p:nvSpPr>
+          <p:cNvPr id="2" name="标题 1"/>
+          <p:cNvSpPr>
+            <a:spLocks noGrp="1"/>
+          </p:cNvSpPr>
+          <p:nvPr>
+            <p:ph type="title"/>
+          </p:nvPr>
+        </p:nvSpPr>
+        <p:spPr/>
+        <p:txBody>
+          <a:bodyPr/>
+          <a:lstStyle/>
+          <a:p>
+            <a:r>
+              <a:rPr lang="en-US" altLang="zh-CN" dirty="0" smtClean="0"/>
+              <a:t>Q&amp;A</a:t>
+            </a:r>
+            <a:endParaRPr lang="zh-CN" altLang="en-US" dirty="0"/>
+          </a:p>
+        </p:txBody>
+      </p:sp>
+      <p:sp>
+        <p:nvSpPr>
+          <p:cNvPr id="3" name="内容占位符 2"/>
+          <p:cNvSpPr>
+            <a:spLocks noGrp="1"/>
+          </p:cNvSpPr>
+          <p:nvPr>
+            <p:ph idx="1"/>
+          </p:nvPr>
+        </p:nvSpPr>
+        <p:spPr/>
+        <p:txBody>
+          <a:bodyPr/>
+          <a:lstStyle/>
+          <a:p>
+            <a:r>
+              <a:rPr lang="zh-CN" altLang="en-US" dirty="0"/>
+              <a:t>反向带来服务器 应该是反向代理服务器吧！</a:t>
+            </a:r>
+          </a:p>
+          <a:p>
+            <a:r>
+              <a:rPr lang="zh-CN" altLang="en-US" dirty="0" smtClean="0"/>
+              <a:t>用</a:t>
+            </a:r>
+            <a:r>
+              <a:rPr lang="zh-CN" altLang="en-US" dirty="0"/>
+              <a:t>例图  字体太小，看不清楚；</a:t>
+            </a:r>
+          </a:p>
+          <a:p>
+            <a:r>
+              <a:rPr lang="zh-CN" altLang="en-US" dirty="0" smtClean="0"/>
+              <a:t>用例</a:t>
+            </a:r>
+            <a:r>
+              <a:rPr lang="zh-CN" altLang="en-US" dirty="0"/>
+              <a:t>描述，有些语句，没有按照</a:t>
+            </a:r>
+            <a:r>
+              <a:rPr lang="en-US" altLang="zh-CN" dirty="0"/>
+              <a:t>RUCM</a:t>
+            </a:r>
+            <a:r>
+              <a:rPr lang="zh-CN" altLang="en-US" dirty="0"/>
+              <a:t>规范书写</a:t>
+            </a:r>
+            <a:r>
+              <a:rPr lang="zh-CN" altLang="en-US" dirty="0" smtClean="0"/>
+              <a:t>；</a:t>
+            </a:r>
+            <a:endParaRPr lang="en-US" altLang="zh-CN" dirty="0" smtClean="0"/>
+          </a:p>
+          <a:p>
+            <a:endParaRPr lang="zh-CN" altLang="en-US" dirty="0"/>
+          </a:p>
+        </p:txBody>
+      </p:sp>
+      <p:pic>
+        <p:nvPicPr>
+          <p:cNvPr id="3074" name="Picture 2"/>
+          <p:cNvPicPr>
+            <a:picLocks noChangeAspect="1" noChangeArrowheads="1"/>
+          </p:cNvPicPr>
+          <p:nvPr/>
+        </p:nvPicPr>
+        <p:blipFill>
+          <a:blip r:embed="rId2">
+            <a:extLst>
+              <a:ext uri="{28A0092B-C50C-407E-A947-70E740481C1C}">
+                <a14:useLocalDpi xmlns:a14="http://schemas.microsoft.com/office/drawing/2010/main" val="0"/>
+              </a:ext>
+            </a:extLst>
+          </a:blip>
+          <a:srcRect/>
+          <a:stretch>
+            <a:fillRect/>
+          </a:stretch>
+        </p:blipFill>
+        <p:spPr bwMode="auto">
+          <a:xfrm>
+            <a:off x="2320089" y="3543887"/>
+            <a:ext cx="4850732" cy="3314113"/>
+          </a:xfrm>
+          <a:prstGeom prst="rect">
+            <a:avLst/>
+          </a:prstGeom>
+          <a:noFill/>
+          <a:ln>
+            <a:noFill/>
+          </a:ln>
+          <a:effectLst/>
+          <a:extLst>
+            <a:ext uri="{909E8E84-426E-40DD-AFC4-6F175D3DCCD1}">
+              <a14:hiddenFill xmlns:a14="http://schemas.microsoft.com/office/drawing/2010/main">
+                <a:solidFill>
+                  <a:schemeClr val="accent1"/>
+                </a:solidFill>
+              </a14:hiddenFill>
+            </a:ext>
+            <a:ext uri="{91240B29-F687-4F45-9708-019B960494DF}">
+              <a14:hiddenLine xmlns:a14="http://schemas.microsoft.com/office/drawing/2010/main" w="9525">
+                <a:solidFill>
+                  <a:schemeClr val="tx1"/>
+                </a:solidFill>
+                <a:miter lim="800000"/>
+                <a:headEnd/>
+                <a:tailEnd/>
+              </a14:hiddenLine>
+            </a:ext>
+            <a:ext uri="{AF507438-7753-43E0-B8FC-AC1667EBCBE1}">
+              <a14:hiddenEffects xmlns:a14="http://schemas.microsoft.com/office/drawing/2010/main">
+                <a:effectLst>
+                  <a:outerShdw dist="35921" dir="2700000" algn="ctr" rotWithShape="0">
+                    <a:schemeClr val="bg2"/>
+                  </a:outerShdw>
+                </a:effectLst>
+              </a14:hiddenEffects>
+            </a:ext>
+          </a:extLst>
+        </p:spPr>
+      </p:pic>
+    </p:spTree>
+    <p:extLst>
+      <p:ext uri="{BB962C8B-B14F-4D97-AF65-F5344CB8AC3E}">
+        <p14:creationId xmlns:p14="http://schemas.microsoft.com/office/powerpoint/2010/main" val="1829534280"/>
+      </p:ext>
+    </p:extLst>
+  </p:cSld>
+  <p:clrMapOvr>
+    <a:masterClrMapping/>
+  </p:clrMapOvr>
+</p:sld>
+</file>
+
+<file path=ppt/slides/slide16.xml><?xml version="1.0" encoding="utf-8"?>
+<p:sld xmlns:a="http://schemas.openxmlformats.org/drawingml/2006/main" xmlns:r="http://schemas.openxmlformats.org/officeDocument/2006/relationships" xmlns:p="http://schemas.openxmlformats.org/presentationml/2006/main">
+  <p:cSld>
+    <p:spTree>
+      <p:nvGrpSpPr>
+        <p:cNvPr id="1" name=""/>
+        <p:cNvGrpSpPr/>
+        <p:nvPr/>
+      </p:nvGrpSpPr>
+      <p:grpSpPr>
+        <a:xfrm>
+          <a:off x="0" y="0"/>
+          <a:ext cx="0" cy="0"/>
+          <a:chOff x="0" y="0"/>
+          <a:chExt cx="0" cy="0"/>
+        </a:xfrm>
+      </p:grpSpPr>
+      <p:sp>
+        <p:nvSpPr>
+          <p:cNvPr id="2" name="标题 1"/>
+          <p:cNvSpPr>
+            <a:spLocks noGrp="1"/>
+          </p:cNvSpPr>
+          <p:nvPr>
+            <p:ph type="title"/>
+          </p:nvPr>
+        </p:nvSpPr>
+        <p:spPr/>
+        <p:txBody>
+          <a:bodyPr/>
+          <a:lstStyle/>
+          <a:p>
+            <a:r>
+              <a:rPr lang="en-US" altLang="zh-CN" dirty="0" smtClean="0"/>
+              <a:t>Q&amp;A</a:t>
+            </a:r>
+            <a:endParaRPr lang="zh-CN" altLang="en-US" dirty="0"/>
+          </a:p>
+        </p:txBody>
+      </p:sp>
+      <p:sp>
+        <p:nvSpPr>
+          <p:cNvPr id="3" name="内容占位符 2"/>
+          <p:cNvSpPr>
+            <a:spLocks noGrp="1"/>
+          </p:cNvSpPr>
+          <p:nvPr>
+            <p:ph idx="1"/>
+          </p:nvPr>
+        </p:nvSpPr>
+        <p:spPr/>
+        <p:txBody>
+          <a:bodyPr/>
+          <a:lstStyle/>
+          <a:p>
+            <a:r>
+              <a:rPr lang="zh-CN" altLang="en-US" dirty="0"/>
+              <a:t>感觉功能需求部分应该是阐述有什么需求，而不是陈述软件功能。</a:t>
+            </a:r>
+          </a:p>
+        </p:txBody>
+      </p:sp>
+    </p:spTree>
+    <p:extLst>
+      <p:ext uri="{BB962C8B-B14F-4D97-AF65-F5344CB8AC3E}">
+        <p14:creationId xmlns:p14="http://schemas.microsoft.com/office/powerpoint/2010/main" val="1359648825"/>
+      </p:ext>
+    </p:extLst>
+  </p:cSld>
+  <p:clrMapOvr>
+    <a:masterClrMapping/>
+  </p:clrMapOvr>
+</p:sld>
+</file>
+
+<file path=ppt/slides/slide17.xml><?xml version="1.0" encoding="utf-8"?>
 <p:sld xmlns:a="http://schemas.openxmlformats.org/drawingml/2006/main" xmlns:r="http://schemas.openxmlformats.org/officeDocument/2006/relationships" xmlns:p="http://schemas.openxmlformats.org/presentationml/2006/main">
   <p:cSld>
     <p:spTree>
@@ -7656,7 +8242,7 @@
   <a:extraClrSchemeLst/>
   <a:extLst>
     <a:ext uri="{05A4C25C-085E-4340-85A3-A5531E510DB2}">
-      <thm15:themeFamily xmlns:thm15="http://schemas.microsoft.com/office/thememl/2012/main" xmlns="" name="Office Theme" id="{62F939B6-93AF-4DB8-9C6B-D6C7DFDC589F}" vid="{4A3C46E8-61CC-4603-A589-7422A47A8E4A}"/>
+      <thm15:themeFamily xmlns="" xmlns:thm15="http://schemas.microsoft.com/office/thememl/2012/main" name="Office Theme" id="{62F939B6-93AF-4DB8-9C6B-D6C7DFDC589F}" vid="{4A3C46E8-61CC-4603-A589-7422A47A8E4A}"/>
     </a:ext>
   </a:extLst>
 </a:theme>

--- a/2.项目PPT/需求2.0PPT.pptx
+++ b/2.项目PPT/需求2.0PPT.pptx
@@ -2,29 +2,29 @@
 <file path=ppt/presentation.xml><?xml version="1.0" encoding="utf-8"?>
 <p:presentation xmlns:a="http://schemas.openxmlformats.org/drawingml/2006/main" xmlns:r="http://schemas.openxmlformats.org/officeDocument/2006/relationships" xmlns:p="http://schemas.openxmlformats.org/presentationml/2006/main" saveSubsetFonts="1" autoCompressPictures="0">
   <p:sldMasterIdLst>
-    <p:sldMasterId id="2147483666" r:id="rId1"/>
+    <p:sldMasterId id="2147483648" r:id="rId1"/>
   </p:sldMasterIdLst>
   <p:notesMasterIdLst>
-    <p:notesMasterId r:id="rId19"/>
+    <p:notesMasterId r:id="rId5"/>
   </p:notesMasterIdLst>
   <p:sldIdLst>
-    <p:sldId id="256" r:id="rId2"/>
-    <p:sldId id="263" r:id="rId3"/>
-    <p:sldId id="270" r:id="rId4"/>
-    <p:sldId id="277" r:id="rId5"/>
-    <p:sldId id="264" r:id="rId6"/>
-    <p:sldId id="265" r:id="rId7"/>
-    <p:sldId id="266" r:id="rId8"/>
-    <p:sldId id="271" r:id="rId9"/>
-    <p:sldId id="284" r:id="rId10"/>
-    <p:sldId id="268" r:id="rId11"/>
-    <p:sldId id="285" r:id="rId12"/>
-    <p:sldId id="286" r:id="rId13"/>
-    <p:sldId id="287" r:id="rId14"/>
-    <p:sldId id="288" r:id="rId15"/>
-    <p:sldId id="289" r:id="rId16"/>
-    <p:sldId id="290" r:id="rId17"/>
-    <p:sldId id="261" r:id="rId18"/>
+    <p:sldId id="256" r:id="rId3"/>
+    <p:sldId id="263" r:id="rId4"/>
+    <p:sldId id="270" r:id="rId6"/>
+    <p:sldId id="277" r:id="rId7"/>
+    <p:sldId id="264" r:id="rId8"/>
+    <p:sldId id="265" r:id="rId9"/>
+    <p:sldId id="266" r:id="rId10"/>
+    <p:sldId id="271" r:id="rId11"/>
+    <p:sldId id="284" r:id="rId12"/>
+    <p:sldId id="268" r:id="rId13"/>
+    <p:sldId id="285" r:id="rId14"/>
+    <p:sldId id="286" r:id="rId15"/>
+    <p:sldId id="287" r:id="rId16"/>
+    <p:sldId id="288" r:id="rId17"/>
+    <p:sldId id="289" r:id="rId18"/>
+    <p:sldId id="290" r:id="rId19"/>
+    <p:sldId id="261" r:id="rId20"/>
   </p:sldIdLst>
   <p:sldSz cx="9144000" cy="6858000" type="screen4x3"/>
   <p:notesSz cx="6858000" cy="9144000"/>
@@ -208,7 +208,6 @@
           <a:p>
             <a:fld id="{69AB6635-575B-0C42-898D-37167595ED80}" type="datetimeFigureOut">
               <a:rPr kumimoji="1" lang="zh-CN" altLang="en-US" smtClean="0"/>
-              <a:t>2016/4/8</a:t>
             </a:fld>
             <a:endParaRPr kumimoji="1" lang="zh-CN" altLang="en-US"/>
           </a:p>
@@ -275,6 +274,7 @@
               <a:rPr kumimoji="1" lang="zh-CN" altLang="en-US" smtClean="0"/>
               <a:t>单击此处编辑母版文本样式</a:t>
             </a:r>
+            <a:endParaRPr kumimoji="1" lang="zh-CN" altLang="en-US" smtClean="0"/>
           </a:p>
           <a:p>
             <a:pPr lvl="1"/>
@@ -282,6 +282,7 @@
               <a:rPr kumimoji="1" lang="zh-CN" altLang="en-US" smtClean="0"/>
               <a:t>二级</a:t>
             </a:r>
+            <a:endParaRPr kumimoji="1" lang="zh-CN" altLang="en-US" smtClean="0"/>
           </a:p>
           <a:p>
             <a:pPr lvl="2"/>
@@ -289,6 +290,7 @@
               <a:rPr kumimoji="1" lang="zh-CN" altLang="en-US" smtClean="0"/>
               <a:t>三级</a:t>
             </a:r>
+            <a:endParaRPr kumimoji="1" lang="zh-CN" altLang="en-US" smtClean="0"/>
           </a:p>
           <a:p>
             <a:pPr lvl="3"/>
@@ -296,6 +298,7 @@
               <a:rPr kumimoji="1" lang="zh-CN" altLang="en-US" smtClean="0"/>
               <a:t>四级</a:t>
             </a:r>
+            <a:endParaRPr kumimoji="1" lang="zh-CN" altLang="en-US" smtClean="0"/>
           </a:p>
           <a:p>
             <a:pPr lvl="4"/>
@@ -367,18 +370,12 @@
           <a:p>
             <a:fld id="{49B23D29-C40C-0346-802A-E643F7B2F847}" type="slidenum">
               <a:rPr kumimoji="1" lang="zh-CN" altLang="en-US" smtClean="0"/>
-              <a:t>‹#›</a:t>
             </a:fld>
             <a:endParaRPr kumimoji="1" lang="zh-CN" altLang="en-US"/>
           </a:p>
         </p:txBody>
       </p:sp>
     </p:spTree>
-    <p:extLst>
-      <p:ext uri="{BB962C8B-B14F-4D97-AF65-F5344CB8AC3E}">
-        <p14:creationId xmlns:p14="http://schemas.microsoft.com/office/powerpoint/2010/main" val="1707638541"/>
-      </p:ext>
-    </p:extLst>
   </p:cSld>
   <p:clrMap bg1="lt1" tx1="dk1" bg2="lt2" tx2="dk2" accent1="accent1" accent2="accent2" accent3="accent3" accent4="accent4" accent5="accent5" accent6="accent6" hlink="hlink" folHlink="folHlink"/>
   <p:notesStyle>
@@ -536,6 +533,7 @@
               <a:rPr lang="zh-CN" altLang="en-US"/>
               <a:t>以上</a:t>
             </a:r>
+            <a:endParaRPr lang="zh-CN" altLang="en-US"/>
           </a:p>
           <a:p>
             <a:r>
@@ -554,6 +552,7 @@
               <a:rPr lang="zh-CN" altLang="en-US"/>
               <a:t>组合，高效可靠，付费，成本高</a:t>
             </a:r>
+            <a:endParaRPr lang="zh-CN" altLang="en-US"/>
           </a:p>
           <a:p>
             <a:r>
@@ -592,6 +591,7 @@
               <a:rPr lang="en-US" altLang="zh-CN"/>
               <a:t>Apache</a:t>
             </a:r>
+            <a:endParaRPr lang="en-US" altLang="zh-CN"/>
           </a:p>
           <a:p>
             <a:r>
@@ -602,6 +602,7 @@
               <a:rPr lang="zh-CN" altLang="en-US"/>
               <a:t>轻量级，高性能，但是功能不足</a:t>
             </a:r>
+            <a:endParaRPr lang="zh-CN" altLang="en-US"/>
           </a:p>
           <a:p>
             <a:endParaRPr lang="zh-CN" altLang="en-US"/>
@@ -625,7 +626,6 @@
           <a:p>
             <a:fld id="{49B23D29-C40C-0346-802A-E643F7B2F847}" type="slidenum">
               <a:rPr kumimoji="1" lang="zh-CN" altLang="en-US" smtClean="0"/>
-              <a:t>2</a:t>
             </a:fld>
             <a:endParaRPr kumimoji="1" lang="zh-CN" altLang="en-US"/>
           </a:p>
@@ -687,12 +687,14 @@
               <a:rPr lang="zh-CN" altLang="en-US"/>
               <a:t>反向代理能够提供负载均衡</a:t>
             </a:r>
+            <a:endParaRPr lang="zh-CN" altLang="en-US"/>
           </a:p>
           <a:p>
             <a:r>
               <a:rPr lang="zh-CN" altLang="en-US"/>
               <a:t>缓存可以提高性能</a:t>
             </a:r>
+            <a:endParaRPr lang="zh-CN" altLang="en-US"/>
           </a:p>
         </p:txBody>
       </p:sp>
@@ -713,7 +715,6 @@
           <a:p>
             <a:fld id="{49B23D29-C40C-0346-802A-E643F7B2F847}" type="slidenum">
               <a:rPr kumimoji="1" lang="zh-CN" altLang="en-US" smtClean="0"/>
-              <a:t>5</a:t>
             </a:fld>
             <a:endParaRPr kumimoji="1" lang="zh-CN" altLang="en-US"/>
           </a:p>
@@ -792,7 +793,6 @@
           <a:p>
             <a:fld id="{49B23D29-C40C-0346-802A-E643F7B2F847}" type="slidenum">
               <a:rPr kumimoji="1" lang="zh-CN" altLang="en-US" smtClean="0"/>
-              <a:t>6</a:t>
             </a:fld>
             <a:endParaRPr kumimoji="1" lang="zh-CN" altLang="en-US"/>
           </a:p>
@@ -868,6 +868,7 @@
               <a:rPr lang="zh-CN" altLang="en-US"/>
               <a:t>对比，原理不同</a:t>
             </a:r>
+            <a:endParaRPr lang="zh-CN" altLang="en-US"/>
           </a:p>
           <a:p>
             <a:r>
@@ -882,6 +883,7 @@
               <a:rPr lang="zh-CN" altLang="en-US"/>
               <a:t>类似，高效</a:t>
             </a:r>
+            <a:endParaRPr lang="zh-CN" altLang="en-US"/>
           </a:p>
         </p:txBody>
       </p:sp>
@@ -902,7 +904,6 @@
           <a:p>
             <a:fld id="{49B23D29-C40C-0346-802A-E643F7B2F847}" type="slidenum">
               <a:rPr kumimoji="1" lang="zh-CN" altLang="en-US" smtClean="0"/>
-              <a:t>10</a:t>
             </a:fld>
             <a:endParaRPr kumimoji="1" lang="zh-CN" altLang="en-US"/>
           </a:p>
@@ -1176,6 +1177,15 @@
               </a:rPr>
               <a:t>来说基本上是毫无用处的。</a:t>
             </a:r>
+            <a:endParaRPr lang="zh-CN" altLang="zh-CN" sz="1200" kern="1200" dirty="0" smtClean="0">
+              <a:solidFill>
+                <a:schemeClr val="tx1"/>
+              </a:solidFill>
+              <a:effectLst/>
+              <a:latin typeface="+mn-lt"/>
+              <a:ea typeface="+mn-ea"/>
+              <a:cs typeface="+mn-cs"/>
+            </a:endParaRPr>
           </a:p>
           <a:p>
             <a:r>
@@ -1214,6 +1224,15 @@
               </a:rPr>
               <a:t>数，对于非标准配置或者一些异常操作呈现的的鲁棒性，以及部署在生产环境中能否保证长时间运行程序不出错。</a:t>
             </a:r>
+            <a:endParaRPr lang="zh-CN" altLang="zh-CN" sz="1200" kern="1200" dirty="0" smtClean="0">
+              <a:solidFill>
+                <a:schemeClr val="tx1"/>
+              </a:solidFill>
+              <a:effectLst/>
+              <a:latin typeface="+mn-lt"/>
+              <a:ea typeface="+mn-ea"/>
+              <a:cs typeface="+mn-cs"/>
+            </a:endParaRPr>
           </a:p>
           <a:p>
             <a:r>
@@ -1228,6 +1247,15 @@
               </a:rPr>
               <a:t>对于以上提到的两种可靠性，不同的应用场景有不同的可靠性需求。我们提出简单的量化评估可靠性方法。如下表：</a:t>
             </a:r>
+            <a:endParaRPr lang="zh-CN" altLang="zh-CN" sz="1200" kern="1200" smtClean="0">
+              <a:solidFill>
+                <a:schemeClr val="tx1"/>
+              </a:solidFill>
+              <a:effectLst/>
+              <a:latin typeface="+mn-lt"/>
+              <a:ea typeface="+mn-ea"/>
+              <a:cs typeface="+mn-cs"/>
+            </a:endParaRPr>
           </a:p>
           <a:p>
             <a:endParaRPr lang="zh-CN" altLang="en-US"/>
@@ -1251,18 +1279,12 @@
           <a:p>
             <a:fld id="{49B23D29-C40C-0346-802A-E643F7B2F847}" type="slidenum">
               <a:rPr kumimoji="1" lang="zh-CN" altLang="en-US" smtClean="0"/>
-              <a:t>11</a:t>
             </a:fld>
             <a:endParaRPr kumimoji="1" lang="zh-CN" altLang="en-US"/>
           </a:p>
         </p:txBody>
       </p:sp>
     </p:spTree>
-    <p:extLst>
-      <p:ext uri="{BB962C8B-B14F-4D97-AF65-F5344CB8AC3E}">
-        <p14:creationId xmlns:p14="http://schemas.microsoft.com/office/powerpoint/2010/main" val="336137719"/>
-      </p:ext>
-    </p:extLst>
   </p:cSld>
   <p:clrMapOvr>
     <a:masterClrMapping/>
@@ -1542,6 +1564,15 @@
               </a:rPr>
               <a:t>是异步的，多个连接（万级别）可以对应一个进程。</a:t>
             </a:r>
+            <a:endParaRPr lang="zh-CN" altLang="zh-CN" sz="1200" kern="1200" dirty="0" smtClean="0">
+              <a:solidFill>
+                <a:schemeClr val="tx1"/>
+              </a:solidFill>
+              <a:effectLst/>
+              <a:latin typeface="+mn-lt"/>
+              <a:ea typeface="+mn-ea"/>
+              <a:cs typeface="+mn-cs"/>
+            </a:endParaRPr>
           </a:p>
           <a:p>
             <a:r>
@@ -1601,18 +1632,12 @@
           <a:p>
             <a:fld id="{49B23D29-C40C-0346-802A-E643F7B2F847}" type="slidenum">
               <a:rPr kumimoji="1" lang="zh-CN" altLang="en-US" smtClean="0"/>
-              <a:t>12</a:t>
             </a:fld>
             <a:endParaRPr kumimoji="1" lang="zh-CN" altLang="en-US"/>
           </a:p>
         </p:txBody>
       </p:sp>
     </p:spTree>
-    <p:extLst>
-      <p:ext uri="{BB962C8B-B14F-4D97-AF65-F5344CB8AC3E}">
-        <p14:creationId xmlns:p14="http://schemas.microsoft.com/office/powerpoint/2010/main" val="4248568804"/>
-      </p:ext>
-    </p:extLst>
   </p:cSld>
   <p:clrMapOvr>
     <a:masterClrMapping/>
@@ -1690,7 +1715,6 @@
           <a:p>
             <a:fld id="{49B23D29-C40C-0346-802A-E643F7B2F847}" type="slidenum">
               <a:rPr kumimoji="1" lang="zh-CN" altLang="en-US" smtClean="0"/>
-              <a:t>17</a:t>
             </a:fld>
             <a:endParaRPr kumimoji="1" lang="zh-CN" altLang="en-US"/>
           </a:p>
@@ -1885,7 +1909,6 @@
           <a:p>
             <a:fld id="{87DE6118-2437-4B30-8E3C-4D2BE6020583}" type="datetimeFigureOut">
               <a:rPr lang="en-US" smtClean="0"/>
-              <a:t>4/8/2016</a:t>
             </a:fld>
             <a:endParaRPr lang="en-US" dirty="0"/>
           </a:p>
@@ -1927,18 +1950,12 @@
           <a:p>
             <a:fld id="{69E57DC2-970A-4B3E-BB1C-7A09969E49DF}" type="slidenum">
               <a:rPr lang="en-US" smtClean="0"/>
-              <a:t>‹#›</a:t>
             </a:fld>
             <a:endParaRPr lang="en-US" dirty="0"/>
           </a:p>
         </p:txBody>
       </p:sp>
     </p:spTree>
-    <p:extLst>
-      <p:ext uri="{BB962C8B-B14F-4D97-AF65-F5344CB8AC3E}">
-        <p14:creationId xmlns:p14="http://schemas.microsoft.com/office/powerpoint/2010/main" val="2968335071"/>
-      </p:ext>
-    </p:extLst>
   </p:cSld>
   <p:clrMapOvr>
     <a:masterClrMapping/>
@@ -2006,6 +2023,7 @@
               <a:rPr lang="zh-CN" altLang="en-US" smtClean="0"/>
               <a:t>单击此处编辑母版文本样式</a:t>
             </a:r>
+            <a:endParaRPr lang="zh-CN" altLang="en-US" smtClean="0"/>
           </a:p>
           <a:p>
             <a:pPr lvl="1"/>
@@ -2013,6 +2031,7 @@
               <a:rPr lang="zh-CN" altLang="en-US" smtClean="0"/>
               <a:t>第二级</a:t>
             </a:r>
+            <a:endParaRPr lang="zh-CN" altLang="en-US" smtClean="0"/>
           </a:p>
           <a:p>
             <a:pPr lvl="2"/>
@@ -2020,6 +2039,7 @@
               <a:rPr lang="zh-CN" altLang="en-US" smtClean="0"/>
               <a:t>第三级</a:t>
             </a:r>
+            <a:endParaRPr lang="zh-CN" altLang="en-US" smtClean="0"/>
           </a:p>
           <a:p>
             <a:pPr lvl="3"/>
@@ -2027,6 +2047,7 @@
               <a:rPr lang="zh-CN" altLang="en-US" smtClean="0"/>
               <a:t>第四级</a:t>
             </a:r>
+            <a:endParaRPr lang="zh-CN" altLang="en-US" smtClean="0"/>
           </a:p>
           <a:p>
             <a:pPr lvl="4"/>
@@ -2055,7 +2076,6 @@
           <a:p>
             <a:fld id="{87DE6118-2437-4B30-8E3C-4D2BE6020583}" type="datetimeFigureOut">
               <a:rPr lang="en-US" smtClean="0"/>
-              <a:t>4/8/2016</a:t>
             </a:fld>
             <a:endParaRPr lang="en-US" dirty="0"/>
           </a:p>
@@ -2097,18 +2117,12 @@
           <a:p>
             <a:fld id="{69E57DC2-970A-4B3E-BB1C-7A09969E49DF}" type="slidenum">
               <a:rPr lang="en-US" smtClean="0"/>
-              <a:t>‹#›</a:t>
             </a:fld>
             <a:endParaRPr lang="en-US" dirty="0"/>
           </a:p>
         </p:txBody>
       </p:sp>
     </p:spTree>
-    <p:extLst>
-      <p:ext uri="{BB962C8B-B14F-4D97-AF65-F5344CB8AC3E}">
-        <p14:creationId xmlns:p14="http://schemas.microsoft.com/office/powerpoint/2010/main" val="1154838901"/>
-      </p:ext>
-    </p:extLst>
   </p:cSld>
   <p:clrMapOvr>
     <a:masterClrMapping/>
@@ -2186,6 +2200,7 @@
               <a:rPr lang="zh-CN" altLang="en-US" smtClean="0"/>
               <a:t>单击此处编辑母版文本样式</a:t>
             </a:r>
+            <a:endParaRPr lang="zh-CN" altLang="en-US" smtClean="0"/>
           </a:p>
           <a:p>
             <a:pPr lvl="1"/>
@@ -2193,6 +2208,7 @@
               <a:rPr lang="zh-CN" altLang="en-US" smtClean="0"/>
               <a:t>第二级</a:t>
             </a:r>
+            <a:endParaRPr lang="zh-CN" altLang="en-US" smtClean="0"/>
           </a:p>
           <a:p>
             <a:pPr lvl="2"/>
@@ -2200,6 +2216,7 @@
               <a:rPr lang="zh-CN" altLang="en-US" smtClean="0"/>
               <a:t>第三级</a:t>
             </a:r>
+            <a:endParaRPr lang="zh-CN" altLang="en-US" smtClean="0"/>
           </a:p>
           <a:p>
             <a:pPr lvl="3"/>
@@ -2207,6 +2224,7 @@
               <a:rPr lang="zh-CN" altLang="en-US" smtClean="0"/>
               <a:t>第四级</a:t>
             </a:r>
+            <a:endParaRPr lang="zh-CN" altLang="en-US" smtClean="0"/>
           </a:p>
           <a:p>
             <a:pPr lvl="4"/>
@@ -2235,7 +2253,6 @@
           <a:p>
             <a:fld id="{87DE6118-2437-4B30-8E3C-4D2BE6020583}" type="datetimeFigureOut">
               <a:rPr lang="en-US" smtClean="0"/>
-              <a:t>4/8/2016</a:t>
             </a:fld>
             <a:endParaRPr lang="en-US" dirty="0"/>
           </a:p>
@@ -2277,18 +2294,12 @@
           <a:p>
             <a:fld id="{69E57DC2-970A-4B3E-BB1C-7A09969E49DF}" type="slidenum">
               <a:rPr lang="en-US" smtClean="0"/>
-              <a:t>‹#›</a:t>
             </a:fld>
             <a:endParaRPr lang="en-US" dirty="0"/>
           </a:p>
         </p:txBody>
       </p:sp>
     </p:spTree>
-    <p:extLst>
-      <p:ext uri="{BB962C8B-B14F-4D97-AF65-F5344CB8AC3E}">
-        <p14:creationId xmlns:p14="http://schemas.microsoft.com/office/powerpoint/2010/main" val="1046463468"/>
-      </p:ext>
-    </p:extLst>
   </p:cSld>
   <p:clrMapOvr>
     <a:masterClrMapping/>
@@ -2356,6 +2367,7 @@
               <a:rPr lang="zh-CN" altLang="en-US" smtClean="0"/>
               <a:t>单击此处编辑母版文本样式</a:t>
             </a:r>
+            <a:endParaRPr lang="zh-CN" altLang="en-US" smtClean="0"/>
           </a:p>
           <a:p>
             <a:pPr lvl="1"/>
@@ -2363,6 +2375,7 @@
               <a:rPr lang="zh-CN" altLang="en-US" smtClean="0"/>
               <a:t>第二级</a:t>
             </a:r>
+            <a:endParaRPr lang="zh-CN" altLang="en-US" smtClean="0"/>
           </a:p>
           <a:p>
             <a:pPr lvl="2"/>
@@ -2370,6 +2383,7 @@
               <a:rPr lang="zh-CN" altLang="en-US" smtClean="0"/>
               <a:t>第三级</a:t>
             </a:r>
+            <a:endParaRPr lang="zh-CN" altLang="en-US" smtClean="0"/>
           </a:p>
           <a:p>
             <a:pPr lvl="3"/>
@@ -2377,6 +2391,7 @@
               <a:rPr lang="zh-CN" altLang="en-US" smtClean="0"/>
               <a:t>第四级</a:t>
             </a:r>
+            <a:endParaRPr lang="zh-CN" altLang="en-US" smtClean="0"/>
           </a:p>
           <a:p>
             <a:pPr lvl="4"/>
@@ -2405,7 +2420,6 @@
           <a:p>
             <a:fld id="{87DE6118-2437-4B30-8E3C-4D2BE6020583}" type="datetimeFigureOut">
               <a:rPr lang="en-US" smtClean="0"/>
-              <a:t>4/8/2016</a:t>
             </a:fld>
             <a:endParaRPr lang="en-US" dirty="0"/>
           </a:p>
@@ -2447,18 +2461,12 @@
           <a:p>
             <a:fld id="{69E57DC2-970A-4B3E-BB1C-7A09969E49DF}" type="slidenum">
               <a:rPr lang="en-US" smtClean="0"/>
-              <a:t>‹#›</a:t>
             </a:fld>
             <a:endParaRPr lang="en-US" dirty="0"/>
           </a:p>
         </p:txBody>
       </p:sp>
     </p:spTree>
-    <p:extLst>
-      <p:ext uri="{BB962C8B-B14F-4D97-AF65-F5344CB8AC3E}">
-        <p14:creationId xmlns:p14="http://schemas.microsoft.com/office/powerpoint/2010/main" val="1019912803"/>
-      </p:ext>
-    </p:extLst>
   </p:cSld>
   <p:clrMapOvr>
     <a:masterClrMapping/>
@@ -2631,6 +2639,7 @@
               <a:rPr lang="zh-CN" altLang="en-US" smtClean="0"/>
               <a:t>单击此处编辑母版文本样式</a:t>
             </a:r>
+            <a:endParaRPr lang="zh-CN" altLang="en-US" smtClean="0"/>
           </a:p>
         </p:txBody>
       </p:sp>
@@ -2651,7 +2660,6 @@
           <a:p>
             <a:fld id="{87DE6118-2437-4B30-8E3C-4D2BE6020583}" type="datetimeFigureOut">
               <a:rPr lang="en-US" smtClean="0"/>
-              <a:t>4/8/2016</a:t>
             </a:fld>
             <a:endParaRPr lang="en-US" dirty="0"/>
           </a:p>
@@ -2693,18 +2701,12 @@
           <a:p>
             <a:fld id="{69E57DC2-970A-4B3E-BB1C-7A09969E49DF}" type="slidenum">
               <a:rPr lang="en-US" smtClean="0"/>
-              <a:t>‹#›</a:t>
             </a:fld>
             <a:endParaRPr lang="en-US" dirty="0"/>
           </a:p>
         </p:txBody>
       </p:sp>
     </p:spTree>
-    <p:extLst>
-      <p:ext uri="{BB962C8B-B14F-4D97-AF65-F5344CB8AC3E}">
-        <p14:creationId xmlns:p14="http://schemas.microsoft.com/office/powerpoint/2010/main" val="3319514597"/>
-      </p:ext>
-    </p:extLst>
   </p:cSld>
   <p:clrMapOvr>
     <a:masterClrMapping/>
@@ -2805,6 +2807,7 @@
               <a:rPr lang="zh-CN" altLang="en-US" smtClean="0"/>
               <a:t>单击此处编辑母版文本样式</a:t>
             </a:r>
+            <a:endParaRPr lang="zh-CN" altLang="en-US" smtClean="0"/>
           </a:p>
           <a:p>
             <a:pPr lvl="1"/>
@@ -2812,6 +2815,7 @@
               <a:rPr lang="zh-CN" altLang="en-US" smtClean="0"/>
               <a:t>第二级</a:t>
             </a:r>
+            <a:endParaRPr lang="zh-CN" altLang="en-US" smtClean="0"/>
           </a:p>
           <a:p>
             <a:pPr lvl="2"/>
@@ -2819,6 +2823,7 @@
               <a:rPr lang="zh-CN" altLang="en-US" smtClean="0"/>
               <a:t>第三级</a:t>
             </a:r>
+            <a:endParaRPr lang="zh-CN" altLang="en-US" smtClean="0"/>
           </a:p>
           <a:p>
             <a:pPr lvl="3"/>
@@ -2826,6 +2831,7 @@
               <a:rPr lang="zh-CN" altLang="en-US" smtClean="0"/>
               <a:t>第四级</a:t>
             </a:r>
+            <a:endParaRPr lang="zh-CN" altLang="en-US" smtClean="0"/>
           </a:p>
           <a:p>
             <a:pPr lvl="4"/>
@@ -2890,6 +2896,7 @@
               <a:rPr lang="zh-CN" altLang="en-US" smtClean="0"/>
               <a:t>单击此处编辑母版文本样式</a:t>
             </a:r>
+            <a:endParaRPr lang="zh-CN" altLang="en-US" smtClean="0"/>
           </a:p>
           <a:p>
             <a:pPr lvl="1"/>
@@ -2897,6 +2904,7 @@
               <a:rPr lang="zh-CN" altLang="en-US" smtClean="0"/>
               <a:t>第二级</a:t>
             </a:r>
+            <a:endParaRPr lang="zh-CN" altLang="en-US" smtClean="0"/>
           </a:p>
           <a:p>
             <a:pPr lvl="2"/>
@@ -2904,6 +2912,7 @@
               <a:rPr lang="zh-CN" altLang="en-US" smtClean="0"/>
               <a:t>第三级</a:t>
             </a:r>
+            <a:endParaRPr lang="zh-CN" altLang="en-US" smtClean="0"/>
           </a:p>
           <a:p>
             <a:pPr lvl="3"/>
@@ -2911,6 +2920,7 @@
               <a:rPr lang="zh-CN" altLang="en-US" smtClean="0"/>
               <a:t>第四级</a:t>
             </a:r>
+            <a:endParaRPr lang="zh-CN" altLang="en-US" smtClean="0"/>
           </a:p>
           <a:p>
             <a:pPr lvl="4"/>
@@ -2939,7 +2949,6 @@
           <a:p>
             <a:fld id="{87DE6118-2437-4B30-8E3C-4D2BE6020583}" type="datetimeFigureOut">
               <a:rPr lang="en-US" smtClean="0"/>
-              <a:t>4/8/2016</a:t>
             </a:fld>
             <a:endParaRPr lang="en-US" dirty="0"/>
           </a:p>
@@ -2981,18 +2990,12 @@
           <a:p>
             <a:fld id="{69E57DC2-970A-4B3E-BB1C-7A09969E49DF}" type="slidenum">
               <a:rPr lang="en-US" smtClean="0"/>
-              <a:t>‹#›</a:t>
             </a:fld>
             <a:endParaRPr lang="en-US" dirty="0"/>
           </a:p>
         </p:txBody>
       </p:sp>
     </p:spTree>
-    <p:extLst>
-      <p:ext uri="{BB962C8B-B14F-4D97-AF65-F5344CB8AC3E}">
-        <p14:creationId xmlns:p14="http://schemas.microsoft.com/office/powerpoint/2010/main" val="3062481937"/>
-      </p:ext>
-    </p:extLst>
   </p:cSld>
   <p:clrMapOvr>
     <a:masterClrMapping/>
@@ -3106,6 +3109,7 @@
               <a:rPr lang="zh-CN" altLang="en-US" smtClean="0"/>
               <a:t>单击此处编辑母版文本样式</a:t>
             </a:r>
+            <a:endParaRPr lang="zh-CN" altLang="en-US" smtClean="0"/>
           </a:p>
         </p:txBody>
       </p:sp>
@@ -3162,6 +3166,7 @@
               <a:rPr lang="zh-CN" altLang="en-US" smtClean="0"/>
               <a:t>单击此处编辑母版文本样式</a:t>
             </a:r>
+            <a:endParaRPr lang="zh-CN" altLang="en-US" smtClean="0"/>
           </a:p>
           <a:p>
             <a:pPr lvl="1"/>
@@ -3169,6 +3174,7 @@
               <a:rPr lang="zh-CN" altLang="en-US" smtClean="0"/>
               <a:t>第二级</a:t>
             </a:r>
+            <a:endParaRPr lang="zh-CN" altLang="en-US" smtClean="0"/>
           </a:p>
           <a:p>
             <a:pPr lvl="2"/>
@@ -3176,6 +3182,7 @@
               <a:rPr lang="zh-CN" altLang="en-US" smtClean="0"/>
               <a:t>第三级</a:t>
             </a:r>
+            <a:endParaRPr lang="zh-CN" altLang="en-US" smtClean="0"/>
           </a:p>
           <a:p>
             <a:pPr lvl="3"/>
@@ -3183,6 +3190,7 @@
               <a:rPr lang="zh-CN" altLang="en-US" smtClean="0"/>
               <a:t>第四级</a:t>
             </a:r>
+            <a:endParaRPr lang="zh-CN" altLang="en-US" smtClean="0"/>
           </a:p>
           <a:p>
             <a:pPr lvl="4"/>
@@ -3256,6 +3264,7 @@
               <a:rPr lang="zh-CN" altLang="en-US" smtClean="0"/>
               <a:t>单击此处编辑母版文本样式</a:t>
             </a:r>
+            <a:endParaRPr lang="zh-CN" altLang="en-US" smtClean="0"/>
           </a:p>
         </p:txBody>
       </p:sp>
@@ -3312,6 +3321,7 @@
               <a:rPr lang="zh-CN" altLang="en-US" smtClean="0"/>
               <a:t>单击此处编辑母版文本样式</a:t>
             </a:r>
+            <a:endParaRPr lang="zh-CN" altLang="en-US" smtClean="0"/>
           </a:p>
           <a:p>
             <a:pPr lvl="1"/>
@@ -3319,6 +3329,7 @@
               <a:rPr lang="zh-CN" altLang="en-US" smtClean="0"/>
               <a:t>第二级</a:t>
             </a:r>
+            <a:endParaRPr lang="zh-CN" altLang="en-US" smtClean="0"/>
           </a:p>
           <a:p>
             <a:pPr lvl="2"/>
@@ -3326,6 +3337,7 @@
               <a:rPr lang="zh-CN" altLang="en-US" smtClean="0"/>
               <a:t>第三级</a:t>
             </a:r>
+            <a:endParaRPr lang="zh-CN" altLang="en-US" smtClean="0"/>
           </a:p>
           <a:p>
             <a:pPr lvl="3"/>
@@ -3333,6 +3345,7 @@
               <a:rPr lang="zh-CN" altLang="en-US" smtClean="0"/>
               <a:t>第四级</a:t>
             </a:r>
+            <a:endParaRPr lang="zh-CN" altLang="en-US" smtClean="0"/>
           </a:p>
           <a:p>
             <a:pPr lvl="4"/>
@@ -3361,7 +3374,6 @@
           <a:p>
             <a:fld id="{87DE6118-2437-4B30-8E3C-4D2BE6020583}" type="datetimeFigureOut">
               <a:rPr lang="en-US" smtClean="0"/>
-              <a:t>4/8/2016</a:t>
             </a:fld>
             <a:endParaRPr lang="en-US" dirty="0"/>
           </a:p>
@@ -3403,18 +3415,12 @@
           <a:p>
             <a:fld id="{69E57DC2-970A-4B3E-BB1C-7A09969E49DF}" type="slidenum">
               <a:rPr lang="en-US" smtClean="0"/>
-              <a:t>‹#›</a:t>
             </a:fld>
             <a:endParaRPr lang="en-US" dirty="0"/>
           </a:p>
         </p:txBody>
       </p:sp>
     </p:spTree>
-    <p:extLst>
-      <p:ext uri="{BB962C8B-B14F-4D97-AF65-F5344CB8AC3E}">
-        <p14:creationId xmlns:p14="http://schemas.microsoft.com/office/powerpoint/2010/main" val="3890430062"/>
-      </p:ext>
-    </p:extLst>
   </p:cSld>
   <p:clrMapOvr>
     <a:masterClrMapping/>
@@ -3479,7 +3485,6 @@
           <a:p>
             <a:fld id="{87DE6118-2437-4B30-8E3C-4D2BE6020583}" type="datetimeFigureOut">
               <a:rPr lang="en-US" smtClean="0"/>
-              <a:t>4/8/2016</a:t>
             </a:fld>
             <a:endParaRPr lang="en-US" dirty="0"/>
           </a:p>
@@ -3521,18 +3526,12 @@
           <a:p>
             <a:fld id="{69E57DC2-970A-4B3E-BB1C-7A09969E49DF}" type="slidenum">
               <a:rPr lang="en-US" smtClean="0"/>
-              <a:t>‹#›</a:t>
             </a:fld>
             <a:endParaRPr lang="en-US" dirty="0"/>
           </a:p>
         </p:txBody>
       </p:sp>
     </p:spTree>
-    <p:extLst>
-      <p:ext uri="{BB962C8B-B14F-4D97-AF65-F5344CB8AC3E}">
-        <p14:creationId xmlns:p14="http://schemas.microsoft.com/office/powerpoint/2010/main" val="2509685859"/>
-      </p:ext>
-    </p:extLst>
   </p:cSld>
   <p:clrMapOvr>
     <a:masterClrMapping/>
@@ -3574,7 +3573,6 @@
           <a:p>
             <a:fld id="{87DE6118-2437-4B30-8E3C-4D2BE6020583}" type="datetimeFigureOut">
               <a:rPr lang="en-US" smtClean="0"/>
-              <a:t>4/8/2016</a:t>
             </a:fld>
             <a:endParaRPr lang="en-US" dirty="0"/>
           </a:p>
@@ -3616,18 +3614,12 @@
           <a:p>
             <a:fld id="{69E57DC2-970A-4B3E-BB1C-7A09969E49DF}" type="slidenum">
               <a:rPr lang="en-US" smtClean="0"/>
-              <a:t>‹#›</a:t>
             </a:fld>
             <a:endParaRPr lang="en-US" dirty="0"/>
           </a:p>
         </p:txBody>
       </p:sp>
     </p:spTree>
-    <p:extLst>
-      <p:ext uri="{BB962C8B-B14F-4D97-AF65-F5344CB8AC3E}">
-        <p14:creationId xmlns:p14="http://schemas.microsoft.com/office/powerpoint/2010/main" val="2161215670"/>
-      </p:ext>
-    </p:extLst>
   </p:cSld>
   <p:clrMapOvr>
     <a:masterClrMapping/>
@@ -3737,6 +3729,7 @@
               <a:rPr lang="zh-CN" altLang="en-US" smtClean="0"/>
               <a:t>单击此处编辑母版文本样式</a:t>
             </a:r>
+            <a:endParaRPr lang="zh-CN" altLang="en-US" smtClean="0"/>
           </a:p>
           <a:p>
             <a:pPr lvl="1"/>
@@ -3744,6 +3737,7 @@
               <a:rPr lang="zh-CN" altLang="en-US" smtClean="0"/>
               <a:t>第二级</a:t>
             </a:r>
+            <a:endParaRPr lang="zh-CN" altLang="en-US" smtClean="0"/>
           </a:p>
           <a:p>
             <a:pPr lvl="2"/>
@@ -3751,6 +3745,7 @@
               <a:rPr lang="zh-CN" altLang="en-US" smtClean="0"/>
               <a:t>第三级</a:t>
             </a:r>
+            <a:endParaRPr lang="zh-CN" altLang="en-US" smtClean="0"/>
           </a:p>
           <a:p>
             <a:pPr lvl="3"/>
@@ -3758,6 +3753,7 @@
               <a:rPr lang="zh-CN" altLang="en-US" smtClean="0"/>
               <a:t>第四级</a:t>
             </a:r>
+            <a:endParaRPr lang="zh-CN" altLang="en-US" smtClean="0"/>
           </a:p>
           <a:p>
             <a:pPr lvl="4"/>
@@ -3831,6 +3827,7 @@
               <a:rPr lang="zh-CN" altLang="en-US" smtClean="0"/>
               <a:t>单击此处编辑母版文本样式</a:t>
             </a:r>
+            <a:endParaRPr lang="zh-CN" altLang="en-US" smtClean="0"/>
           </a:p>
         </p:txBody>
       </p:sp>
@@ -3851,7 +3848,6 @@
           <a:p>
             <a:fld id="{87DE6118-2437-4B30-8E3C-4D2BE6020583}" type="datetimeFigureOut">
               <a:rPr lang="en-US" smtClean="0"/>
-              <a:t>4/8/2016</a:t>
             </a:fld>
             <a:endParaRPr lang="en-US" dirty="0"/>
           </a:p>
@@ -3893,18 +3889,12 @@
           <a:p>
             <a:fld id="{69E57DC2-970A-4B3E-BB1C-7A09969E49DF}" type="slidenum">
               <a:rPr lang="en-US" smtClean="0"/>
-              <a:t>‹#›</a:t>
             </a:fld>
             <a:endParaRPr lang="en-US" dirty="0"/>
           </a:p>
         </p:txBody>
       </p:sp>
     </p:spTree>
-    <p:extLst>
-      <p:ext uri="{BB962C8B-B14F-4D97-AF65-F5344CB8AC3E}">
-        <p14:creationId xmlns:p14="http://schemas.microsoft.com/office/powerpoint/2010/main" val="1158485897"/>
-      </p:ext>
-    </p:extLst>
   </p:cSld>
   <p:clrMapOvr>
     <a:masterClrMapping/>
@@ -4084,6 +4074,7 @@
               <a:rPr lang="zh-CN" altLang="en-US" smtClean="0"/>
               <a:t>单击此处编辑母版文本样式</a:t>
             </a:r>
+            <a:endParaRPr lang="zh-CN" altLang="en-US" smtClean="0"/>
           </a:p>
         </p:txBody>
       </p:sp>
@@ -4104,7 +4095,6 @@
           <a:p>
             <a:fld id="{87DE6118-2437-4B30-8E3C-4D2BE6020583}" type="datetimeFigureOut">
               <a:rPr lang="en-US" smtClean="0"/>
-              <a:t>4/8/2016</a:t>
             </a:fld>
             <a:endParaRPr lang="en-US" dirty="0"/>
           </a:p>
@@ -4146,18 +4136,12 @@
           <a:p>
             <a:fld id="{69E57DC2-970A-4B3E-BB1C-7A09969E49DF}" type="slidenum">
               <a:rPr lang="en-US" smtClean="0"/>
-              <a:t>‹#›</a:t>
             </a:fld>
             <a:endParaRPr lang="en-US" dirty="0"/>
           </a:p>
         </p:txBody>
       </p:sp>
     </p:spTree>
-    <p:extLst>
-      <p:ext uri="{BB962C8B-B14F-4D97-AF65-F5344CB8AC3E}">
-        <p14:creationId xmlns:p14="http://schemas.microsoft.com/office/powerpoint/2010/main" val="3682292615"/>
-      </p:ext>
-    </p:extLst>
   </p:cSld>
   <p:clrMapOvr>
     <a:masterClrMapping/>
@@ -4250,6 +4234,7 @@
               <a:rPr lang="zh-CN" altLang="en-US" smtClean="0"/>
               <a:t>单击此处编辑母版文本样式</a:t>
             </a:r>
+            <a:endParaRPr lang="zh-CN" altLang="en-US" smtClean="0"/>
           </a:p>
           <a:p>
             <a:pPr lvl="1"/>
@@ -4257,6 +4242,7 @@
               <a:rPr lang="zh-CN" altLang="en-US" smtClean="0"/>
               <a:t>第二级</a:t>
             </a:r>
+            <a:endParaRPr lang="zh-CN" altLang="en-US" smtClean="0"/>
           </a:p>
           <a:p>
             <a:pPr lvl="2"/>
@@ -4264,6 +4250,7 @@
               <a:rPr lang="zh-CN" altLang="en-US" smtClean="0"/>
               <a:t>第三级</a:t>
             </a:r>
+            <a:endParaRPr lang="zh-CN" altLang="en-US" smtClean="0"/>
           </a:p>
           <a:p>
             <a:pPr lvl="3"/>
@@ -4271,6 +4258,7 @@
               <a:rPr lang="zh-CN" altLang="en-US" smtClean="0"/>
               <a:t>第四级</a:t>
             </a:r>
+            <a:endParaRPr lang="zh-CN" altLang="en-US" smtClean="0"/>
           </a:p>
           <a:p>
             <a:pPr lvl="4"/>
@@ -4317,7 +4305,6 @@
           <a:p>
             <a:fld id="{87DE6118-2437-4B30-8E3C-4D2BE6020583}" type="datetimeFigureOut">
               <a:rPr lang="en-US" smtClean="0"/>
-              <a:t>4/8/2016</a:t>
             </a:fld>
             <a:endParaRPr lang="en-US" dirty="0"/>
           </a:p>
@@ -4395,32 +4382,26 @@
           <a:p>
             <a:fld id="{69E57DC2-970A-4B3E-BB1C-7A09969E49DF}" type="slidenum">
               <a:rPr lang="en-US" smtClean="0"/>
-              <a:t>‹#›</a:t>
             </a:fld>
             <a:endParaRPr lang="en-US" dirty="0"/>
           </a:p>
         </p:txBody>
       </p:sp>
     </p:spTree>
-    <p:extLst>
-      <p:ext uri="{BB962C8B-B14F-4D97-AF65-F5344CB8AC3E}">
-        <p14:creationId xmlns:p14="http://schemas.microsoft.com/office/powerpoint/2010/main" val="3376901255"/>
-      </p:ext>
-    </p:extLst>
   </p:cSld>
   <p:clrMap bg1="lt1" tx1="dk1" bg2="lt2" tx2="dk2" accent1="accent1" accent2="accent2" accent3="accent3" accent4="accent4" accent5="accent5" accent6="accent6" hlink="hlink" folHlink="folHlink"/>
   <p:sldLayoutIdLst>
-    <p:sldLayoutId id="2147483667" r:id="rId1"/>
-    <p:sldLayoutId id="2147483668" r:id="rId2"/>
-    <p:sldLayoutId id="2147483669" r:id="rId3"/>
-    <p:sldLayoutId id="2147483670" r:id="rId4"/>
-    <p:sldLayoutId id="2147483671" r:id="rId5"/>
-    <p:sldLayoutId id="2147483672" r:id="rId6"/>
-    <p:sldLayoutId id="2147483673" r:id="rId7"/>
-    <p:sldLayoutId id="2147483674" r:id="rId8"/>
-    <p:sldLayoutId id="2147483675" r:id="rId9"/>
-    <p:sldLayoutId id="2147483676" r:id="rId10"/>
-    <p:sldLayoutId id="2147483677" r:id="rId11"/>
+    <p:sldLayoutId id="2147483649" r:id="rId1"/>
+    <p:sldLayoutId id="2147483650" r:id="rId2"/>
+    <p:sldLayoutId id="2147483651" r:id="rId3"/>
+    <p:sldLayoutId id="2147483652" r:id="rId4"/>
+    <p:sldLayoutId id="2147483653" r:id="rId5"/>
+    <p:sldLayoutId id="2147483654" r:id="rId6"/>
+    <p:sldLayoutId id="2147483655" r:id="rId7"/>
+    <p:sldLayoutId id="2147483656" r:id="rId8"/>
+    <p:sldLayoutId id="2147483657" r:id="rId9"/>
+    <p:sldLayoutId id="2147483658" r:id="rId10"/>
+    <p:sldLayoutId id="2147483659" r:id="rId11"/>
   </p:sldLayoutIdLst>
   <p:txStyles>
     <p:titleStyle>
@@ -4730,6 +4711,7 @@
               <a:rPr kumimoji="1" lang="zh-CN" altLang="en-US" sz="6000" dirty="0"/>
               <a:t>细化需求</a:t>
             </a:r>
+            <a:endParaRPr kumimoji="1" lang="zh-CN" altLang="en-US" sz="6000" dirty="0"/>
           </a:p>
         </p:txBody>
       </p:sp>
@@ -4767,6 +4749,7 @@
               <a:rPr kumimoji="1" lang="zh-CN" altLang="en-US" sz="2400" dirty="0"/>
               <a:t>组</a:t>
             </a:r>
+            <a:endParaRPr kumimoji="1" lang="zh-CN" altLang="en-US" sz="2400" dirty="0"/>
           </a:p>
         </p:txBody>
       </p:sp>
@@ -4865,6 +4848,7 @@
               <a:rPr kumimoji="1" lang="zh-CN" altLang="en-US" dirty="0" smtClean="0"/>
               <a:t>易扩展</a:t>
             </a:r>
+            <a:endParaRPr kumimoji="1" lang="zh-CN" altLang="en-US" dirty="0" smtClean="0"/>
           </a:p>
           <a:p>
             <a:pPr lvl="1"/>
@@ -4872,6 +4856,7 @@
               <a:rPr kumimoji="1" lang="zh-CN" altLang="en-US" dirty="0" smtClean="0"/>
               <a:t>模块化设计</a:t>
             </a:r>
+            <a:endParaRPr kumimoji="1" lang="zh-CN" altLang="en-US" dirty="0" smtClean="0"/>
           </a:p>
           <a:p>
             <a:r>
@@ -4894,6 +4879,7 @@
               <a:rPr kumimoji="1" lang="zh-CN" altLang="en-US" dirty="0" smtClean="0"/>
               <a:t>请求处理机制</a:t>
             </a:r>
+            <a:endParaRPr kumimoji="1" lang="zh-CN" altLang="en-US" dirty="0" smtClean="0"/>
           </a:p>
           <a:p>
             <a:pPr lvl="1"/>
@@ -4986,13 +4972,7 @@
           <p:cNvGraphicFramePr>
             <a:graphicFrameLocks noGrp="1"/>
           </p:cNvGraphicFramePr>
-          <p:nvPr>
-            <p:extLst>
-              <p:ext uri="{D42A27DB-BD31-4B8C-83A1-F6EECF244321}">
-                <p14:modId xmlns:p14="http://schemas.microsoft.com/office/powerpoint/2010/main" val="935325759"/>
-              </p:ext>
-            </p:extLst>
-          </p:nvPr>
+          <p:nvPr/>
         </p:nvGraphicFramePr>
         <p:xfrm>
           <a:off x="721896" y="2334126"/>
@@ -5351,11 +5331,6 @@
         </a:graphic>
       </p:graphicFrame>
     </p:spTree>
-    <p:extLst>
-      <p:ext uri="{BB962C8B-B14F-4D97-AF65-F5344CB8AC3E}">
-        <p14:creationId xmlns:p14="http://schemas.microsoft.com/office/powerpoint/2010/main" val="685836787"/>
-      </p:ext>
-    </p:extLst>
   </p:cSld>
   <p:clrMapOvr>
     <a:masterClrMapping/>
@@ -5411,11 +5386,6 @@
           </p:cNvGraphicFramePr>
           <p:nvPr>
             <p:ph idx="1"/>
-            <p:extLst>
-              <p:ext uri="{D42A27DB-BD31-4B8C-83A1-F6EECF244321}">
-                <p14:modId xmlns:p14="http://schemas.microsoft.com/office/powerpoint/2010/main" val="1879390295"/>
-              </p:ext>
-            </p:extLst>
           </p:nvPr>
         </p:nvGraphicFramePr>
         <p:xfrm>
@@ -5801,9 +5771,7 @@
       <p:sp>
         <p:nvSpPr>
           <p:cNvPr id="5" name="内容占位符 2"/>
-          <p:cNvSpPr txBox="1">
-            <a:spLocks/>
-          </p:cNvSpPr>
+          <p:cNvSpPr txBox="1"/>
           <p:nvPr/>
         </p:nvSpPr>
         <p:spPr>
@@ -5970,11 +5938,6 @@
         </p:txBody>
       </p:sp>
     </p:spTree>
-    <p:extLst>
-      <p:ext uri="{BB962C8B-B14F-4D97-AF65-F5344CB8AC3E}">
-        <p14:creationId xmlns:p14="http://schemas.microsoft.com/office/powerpoint/2010/main" val="4233500816"/>
-      </p:ext>
-    </p:extLst>
   </p:cSld>
   <p:clrMapOvr>
     <a:masterClrMapping/>
@@ -6078,7 +6041,7 @@
           <p:nvPr/>
         </p:nvPicPr>
         <p:blipFill>
-          <a:blip r:embed="rId2">
+          <a:blip r:embed="rId1">
             <a:extLst>
               <a:ext uri="{28A0092B-C50C-407E-A947-70E740481C1C}">
                 <a14:useLocalDpi xmlns:a14="http://schemas.microsoft.com/office/drawing/2010/main" val="0"/>
@@ -6134,11 +6097,6 @@
         </p:spPr>
       </p:pic>
     </p:spTree>
-    <p:extLst>
-      <p:ext uri="{BB962C8B-B14F-4D97-AF65-F5344CB8AC3E}">
-        <p14:creationId xmlns:p14="http://schemas.microsoft.com/office/powerpoint/2010/main" val="382323283"/>
-      </p:ext>
-    </p:extLst>
   </p:cSld>
   <p:clrMapOvr>
     <a:masterClrMapping/>
@@ -6254,7 +6212,7 @@
           <p:nvPr/>
         </p:nvPicPr>
         <p:blipFill>
-          <a:blip r:embed="rId2">
+          <a:blip r:embed="rId1">
             <a:extLst>
               <a:ext uri="{28A0092B-C50C-407E-A947-70E740481C1C}">
                 <a14:useLocalDpi xmlns:a14="http://schemas.microsoft.com/office/drawing/2010/main" val="0"/>
@@ -6310,11 +6268,6 @@
         </p:spPr>
       </p:pic>
     </p:spTree>
-    <p:extLst>
-      <p:ext uri="{BB962C8B-B14F-4D97-AF65-F5344CB8AC3E}">
-        <p14:creationId xmlns:p14="http://schemas.microsoft.com/office/powerpoint/2010/main" val="102101530"/>
-      </p:ext>
-    </p:extLst>
   </p:cSld>
   <p:clrMapOvr>
     <a:masterClrMapping/>
@@ -6381,6 +6334,7 @@
               <a:rPr lang="zh-CN" altLang="en-US" dirty="0"/>
               <a:t>反向带来服务器 应该是反向代理服务器吧！</a:t>
             </a:r>
+            <a:endParaRPr lang="zh-CN" altLang="en-US" dirty="0"/>
           </a:p>
           <a:p>
             <a:r>
@@ -6391,6 +6345,7 @@
               <a:rPr lang="zh-CN" altLang="en-US" dirty="0"/>
               <a:t>例图  字体太小，看不清楚；</a:t>
             </a:r>
+            <a:endParaRPr lang="zh-CN" altLang="en-US" dirty="0"/>
           </a:p>
           <a:p>
             <a:r>
@@ -6429,7 +6384,7 @@
           <p:nvPr/>
         </p:nvPicPr>
         <p:blipFill>
-          <a:blip r:embed="rId2">
+          <a:blip r:embed="rId1">
             <a:extLst>
               <a:ext uri="{28A0092B-C50C-407E-A947-70E740481C1C}">
                 <a14:useLocalDpi xmlns:a14="http://schemas.microsoft.com/office/drawing/2010/main" val="0"/>
@@ -6485,11 +6440,6 @@
         </p:spPr>
       </p:pic>
     </p:spTree>
-    <p:extLst>
-      <p:ext uri="{BB962C8B-B14F-4D97-AF65-F5344CB8AC3E}">
-        <p14:creationId xmlns:p14="http://schemas.microsoft.com/office/powerpoint/2010/main" val="1829534280"/>
-      </p:ext>
-    </p:extLst>
   </p:cSld>
   <p:clrMapOvr>
     <a:masterClrMapping/>
@@ -6556,15 +6506,11 @@
               <a:rPr lang="zh-CN" altLang="en-US" dirty="0"/>
               <a:t>感觉功能需求部分应该是阐述有什么需求，而不是陈述软件功能。</a:t>
             </a:r>
+            <a:endParaRPr lang="zh-CN" altLang="en-US" dirty="0"/>
           </a:p>
         </p:txBody>
       </p:sp>
     </p:spTree>
-    <p:extLst>
-      <p:ext uri="{BB962C8B-B14F-4D97-AF65-F5344CB8AC3E}">
-        <p14:creationId xmlns:p14="http://schemas.microsoft.com/office/powerpoint/2010/main" val="1359648825"/>
-      </p:ext>
-    </p:extLst>
   </p:cSld>
   <p:clrMapOvr>
     <a:masterClrMapping/>
@@ -6711,12 +6657,16 @@
               </a:rPr>
               <a:t>》</a:t>
             </a:r>
+            <a:endParaRPr lang="zh-CN" altLang="zh-CN" dirty="0">
+              <a:effectLst/>
+            </a:endParaRPr>
           </a:p>
           <a:p>
             <a:r>
               <a:rPr kumimoji="1" lang="zh-CN" altLang="en-US" dirty="0"/>
               <a:t>网络资源</a:t>
             </a:r>
+            <a:endParaRPr kumimoji="1" lang="zh-CN" altLang="en-US" dirty="0"/>
           </a:p>
         </p:txBody>
       </p:sp>
@@ -6764,6 +6714,7 @@
               <a:rPr kumimoji="1" lang="zh-CN" altLang="en-US" dirty="0"/>
               <a:t>领域现状</a:t>
             </a:r>
+            <a:endParaRPr kumimoji="1" lang="zh-CN" altLang="en-US" dirty="0"/>
           </a:p>
         </p:txBody>
       </p:sp>
@@ -6790,6 +6741,7 @@
               <a:rPr kumimoji="1" lang="zh-CN" altLang="en-US" dirty="0" smtClean="0"/>
               <a:t>：市场份额最高的服务器</a:t>
             </a:r>
+            <a:endParaRPr kumimoji="1" lang="zh-CN" altLang="en-US" dirty="0" smtClean="0"/>
           </a:p>
           <a:p>
             <a:r>
@@ -6824,6 +6776,7 @@
               <a:rPr kumimoji="1" lang="zh-CN" altLang="en-US" dirty="0" smtClean="0"/>
               <a:t>组合可靠高效</a:t>
             </a:r>
+            <a:endParaRPr kumimoji="1" lang="zh-CN" altLang="en-US" dirty="0" smtClean="0"/>
           </a:p>
           <a:p>
             <a:r>
@@ -6850,6 +6803,7 @@
               <a:rPr kumimoji="1" lang="zh-CN" altLang="en-US" dirty="0" smtClean="0"/>
               <a:t>容器</a:t>
             </a:r>
+            <a:endParaRPr kumimoji="1" lang="zh-CN" altLang="en-US" dirty="0" smtClean="0"/>
           </a:p>
           <a:p>
             <a:r>
@@ -6868,6 +6822,7 @@
               <a:rPr kumimoji="1" lang="zh-CN" altLang="en-US" dirty="0" smtClean="0"/>
               <a:t>服务器</a:t>
             </a:r>
+            <a:endParaRPr kumimoji="1" lang="zh-CN" altLang="en-US" dirty="0" smtClean="0"/>
           </a:p>
           <a:p>
             <a:r>
@@ -6925,6 +6880,7 @@
               <a:rPr lang="zh-CN" altLang="en-US"/>
               <a:t>功能性需求</a:t>
             </a:r>
+            <a:endParaRPr lang="zh-CN" altLang="en-US"/>
           </a:p>
         </p:txBody>
       </p:sp>
@@ -6939,7 +6895,7 @@
           </p:nvPr>
         </p:nvPicPr>
         <p:blipFill>
-          <a:blip r:embed="rId2"/>
+          <a:blip r:embed="rId1"/>
           <a:stretch>
             <a:fillRect/>
           </a:stretch>
@@ -7002,29 +6958,30 @@
               <a:rPr lang="zh-CN" altLang="en-US"/>
               <a:t>？</a:t>
             </a:r>
+            <a:endParaRPr lang="zh-CN" altLang="en-US"/>
           </a:p>
         </p:txBody>
       </p:sp>
       <p:pic>
         <p:nvPicPr>
-          <p:cNvPr id="6" name="内容占位符 3" descr="用例图"/>
+          <p:cNvPr id="4" name="内容占位符 3" descr="图片1"/>
           <p:cNvPicPr>
-            <a:picLocks noGrp="1" noChangeAspect="1"/>
+            <a:picLocks noChangeAspect="1"/>
           </p:cNvPicPr>
           <p:nvPr>
             <p:ph idx="1"/>
           </p:nvPr>
         </p:nvPicPr>
         <p:blipFill>
-          <a:blip r:embed="rId2"/>
+          <a:blip r:embed="rId1"/>
           <a:stretch>
             <a:fillRect/>
           </a:stretch>
         </p:blipFill>
         <p:spPr>
           <a:xfrm>
-            <a:off x="0" y="2147120"/>
-            <a:ext cx="9016482" cy="3820543"/>
+            <a:off x="179705" y="1697355"/>
+            <a:ext cx="8713470" cy="4443730"/>
           </a:xfrm>
           <a:prstGeom prst="rect">
             <a:avLst/>
@@ -7112,6 +7069,7 @@
               <a:rPr kumimoji="1" lang="zh-CN" altLang="en-US" dirty="0" smtClean="0"/>
               <a:t>服务</a:t>
             </a:r>
+            <a:endParaRPr kumimoji="1" lang="zh-CN" altLang="en-US" dirty="0" smtClean="0"/>
           </a:p>
           <a:p>
             <a:pPr lvl="1"/>
@@ -7119,6 +7077,7 @@
               <a:rPr kumimoji="1" lang="zh-CN" altLang="en-US" sz="3200" dirty="0" smtClean="0"/>
               <a:t>处理静态文件</a:t>
             </a:r>
+            <a:endParaRPr kumimoji="1" lang="zh-CN" altLang="en-US" sz="3200" dirty="0" smtClean="0"/>
           </a:p>
           <a:p>
             <a:pPr lvl="1"/>
@@ -7130,6 +7089,11 @@
               </a:rPr>
               <a:t>反向代理</a:t>
             </a:r>
+            <a:endParaRPr kumimoji="1" lang="zh-CN" altLang="en-US" sz="3200" dirty="0" smtClean="0">
+              <a:solidFill>
+                <a:srgbClr val="FF0000"/>
+              </a:solidFill>
+            </a:endParaRPr>
           </a:p>
           <a:p>
             <a:pPr lvl="1"/>
@@ -7141,6 +7105,11 @@
               </a:rPr>
               <a:t>FastCGI</a:t>
             </a:r>
+            <a:endParaRPr kumimoji="1" lang="en-US" altLang="zh-CN" sz="3200" dirty="0" err="1" smtClean="0">
+              <a:solidFill>
+                <a:srgbClr val="FF0000"/>
+              </a:solidFill>
+            </a:endParaRPr>
           </a:p>
           <a:p>
             <a:pPr lvl="1"/>
@@ -7152,6 +7121,11 @@
               </a:rPr>
               <a:t>缓存</a:t>
             </a:r>
+            <a:endParaRPr kumimoji="1" lang="zh-CN" altLang="en-US" sz="3200" dirty="0" smtClean="0">
+              <a:solidFill>
+                <a:srgbClr val="FF0000"/>
+              </a:solidFill>
+            </a:endParaRPr>
           </a:p>
           <a:p>
             <a:pPr lvl="1"/>
@@ -7159,6 +7133,7 @@
               <a:rPr kumimoji="1" lang="zh-CN" altLang="en-US" sz="3200" dirty="0" smtClean="0"/>
               <a:t>过滤器功能</a:t>
             </a:r>
+            <a:endParaRPr kumimoji="1" lang="zh-CN" altLang="en-US" sz="3200" dirty="0" smtClean="0"/>
           </a:p>
           <a:p>
             <a:pPr lvl="1"/>
@@ -7255,6 +7230,7 @@
               <a:rPr kumimoji="1" lang="zh-CN" altLang="en-US" dirty="0" smtClean="0"/>
               <a:t>服务</a:t>
             </a:r>
+            <a:endParaRPr kumimoji="1" lang="zh-CN" altLang="en-US" dirty="0" smtClean="0"/>
           </a:p>
           <a:p>
             <a:pPr lvl="1"/>
@@ -7262,6 +7238,7 @@
               <a:rPr kumimoji="1" lang="zh-CN" altLang="en-US" sz="3200" dirty="0" smtClean="0"/>
               <a:t>虚拟主机</a:t>
             </a:r>
+            <a:endParaRPr kumimoji="1" lang="zh-CN" altLang="en-US" sz="3200" dirty="0" smtClean="0"/>
           </a:p>
           <a:p>
             <a:pPr lvl="1"/>
@@ -7269,6 +7246,7 @@
               <a:rPr kumimoji="1" lang="zh-CN" altLang="en-US" sz="3200" dirty="0" smtClean="0"/>
               <a:t>重新加载配置文件，在线升级</a:t>
             </a:r>
+            <a:endParaRPr kumimoji="1" lang="zh-CN" altLang="en-US" sz="3200" dirty="0" smtClean="0"/>
           </a:p>
           <a:p>
             <a:pPr lvl="1"/>
@@ -7304,6 +7282,7 @@
               <a:rPr kumimoji="1" lang="zh-CN" altLang="en-US" sz="3200" dirty="0" smtClean="0"/>
               <a:t>等操作</a:t>
             </a:r>
+            <a:endParaRPr kumimoji="1" lang="zh-CN" altLang="en-US" sz="3200" dirty="0" smtClean="0"/>
           </a:p>
           <a:p>
             <a:pPr lvl="1"/>
@@ -7323,6 +7302,7 @@
               <a:rPr kumimoji="1" lang="zh-CN" altLang="en-US" sz="3200" dirty="0" smtClean="0"/>
               <a:t>流传输</a:t>
             </a:r>
+            <a:endParaRPr kumimoji="1" lang="zh-CN" altLang="en-US" sz="3200" dirty="0" smtClean="0"/>
           </a:p>
           <a:p>
             <a:pPr lvl="1"/>
@@ -7330,6 +7310,7 @@
               <a:rPr kumimoji="1" lang="zh-CN" altLang="en-US" sz="3200" dirty="0" smtClean="0"/>
               <a:t>支持网络监控：访问控制，速度控制，连接数限制等</a:t>
             </a:r>
+            <a:endParaRPr kumimoji="1" lang="zh-CN" altLang="en-US" sz="3200" dirty="0" smtClean="0"/>
           </a:p>
           <a:p>
             <a:pPr lvl="1"/>
@@ -7424,6 +7405,7 @@
               <a:rPr kumimoji="1" lang="zh-CN" altLang="en-US" dirty="0" smtClean="0"/>
               <a:t>服务器</a:t>
             </a:r>
+            <a:endParaRPr kumimoji="1" lang="zh-CN" altLang="en-US" dirty="0" smtClean="0"/>
           </a:p>
           <a:p>
             <a:pPr lvl="1"/>
@@ -7435,6 +7417,7 @@
               <a:rPr kumimoji="1" lang="zh-CN" altLang="en-US" sz="3200" dirty="0" smtClean="0"/>
               <a:t>协议</a:t>
             </a:r>
+            <a:endParaRPr kumimoji="1" lang="zh-CN" altLang="en-US" sz="3200" dirty="0" smtClean="0"/>
           </a:p>
           <a:p>
             <a:pPr lvl="1"/>
@@ -7446,6 +7429,7 @@
               <a:rPr kumimoji="1" lang="zh-CN" altLang="en-US" sz="3200" dirty="0" smtClean="0"/>
               <a:t>协议</a:t>
             </a:r>
+            <a:endParaRPr kumimoji="1" lang="zh-CN" altLang="en-US" sz="3200" dirty="0" smtClean="0"/>
           </a:p>
           <a:p>
             <a:pPr lvl="1"/>
@@ -7512,6 +7496,7 @@
               <a:rPr lang="zh-CN" altLang="en-US"/>
               <a:t>请求流程图</a:t>
             </a:r>
+            <a:endParaRPr lang="zh-CN" altLang="en-US"/>
           </a:p>
         </p:txBody>
       </p:sp>
@@ -7526,7 +7511,7 @@
           </p:nvPr>
         </p:nvPicPr>
         <p:blipFill>
-          <a:blip r:embed="rId2"/>
+          <a:blip r:embed="rId1"/>
           <a:stretch>
             <a:fillRect/>
           </a:stretch>
@@ -7593,6 +7578,7 @@
               <a:rPr lang="zh-CN" altLang="en-US"/>
               <a:t>图形化配置</a:t>
             </a:r>
+            <a:endParaRPr lang="zh-CN" altLang="en-US"/>
           </a:p>
         </p:txBody>
       </p:sp>
@@ -7617,6 +7603,7 @@
               <a:rPr lang="zh-CN" altLang="en-US"/>
               <a:t>用户组</a:t>
             </a:r>
+            <a:endParaRPr lang="zh-CN" altLang="en-US"/>
           </a:p>
           <a:p>
             <a:r>
@@ -7627,6 +7614,7 @@
               <a:rPr lang="zh-CN" altLang="en-US"/>
               <a:t>数</a:t>
             </a:r>
+            <a:endParaRPr lang="zh-CN" altLang="en-US"/>
           </a:p>
           <a:p>
             <a:r>
@@ -7637,60 +7625,70 @@
               <a:rPr lang="zh-CN" altLang="en-US"/>
               <a:t>存放路径</a:t>
             </a:r>
+            <a:endParaRPr lang="zh-CN" altLang="en-US"/>
           </a:p>
           <a:p>
             <a:r>
               <a:rPr lang="zh-CN" altLang="en-US"/>
               <a:t>日志路径</a:t>
             </a:r>
+            <a:endParaRPr lang="zh-CN" altLang="en-US"/>
           </a:p>
           <a:p>
             <a:r>
               <a:rPr lang="zh-CN" altLang="en-US"/>
               <a:t>网络连接序列化</a:t>
             </a:r>
+            <a:endParaRPr lang="zh-CN" altLang="en-US"/>
           </a:p>
           <a:p>
             <a:r>
               <a:rPr lang="zh-CN" altLang="en-US"/>
               <a:t>接收多个网络连接</a:t>
             </a:r>
+            <a:endParaRPr lang="zh-CN" altLang="en-US"/>
           </a:p>
           <a:p>
             <a:r>
               <a:rPr lang="zh-CN" altLang="en-US"/>
               <a:t>事件驱动模型的选择</a:t>
             </a:r>
+            <a:endParaRPr lang="zh-CN" altLang="en-US"/>
           </a:p>
           <a:p>
             <a:r>
               <a:rPr lang="zh-CN" altLang="en-US"/>
               <a:t>最大连接数</a:t>
             </a:r>
+            <a:endParaRPr lang="zh-CN" altLang="en-US"/>
           </a:p>
           <a:p>
             <a:r>
               <a:rPr lang="zh-CN" altLang="en-US"/>
               <a:t>虚拟主机</a:t>
             </a:r>
+            <a:endParaRPr lang="zh-CN" altLang="en-US"/>
           </a:p>
           <a:p>
             <a:r>
               <a:rPr lang="en-US" altLang="zh-CN"/>
               <a:t>location</a:t>
             </a:r>
+            <a:endParaRPr lang="en-US" altLang="zh-CN"/>
           </a:p>
           <a:p>
             <a:r>
               <a:rPr lang="zh-CN" altLang="en-US"/>
               <a:t>根目录</a:t>
             </a:r>
+            <a:endParaRPr lang="zh-CN" altLang="en-US"/>
           </a:p>
           <a:p>
             <a:r>
               <a:rPr lang="zh-CN" altLang="en-US"/>
               <a:t>错误页</a:t>
             </a:r>
+            <a:endParaRPr lang="zh-CN" altLang="en-US"/>
           </a:p>
         </p:txBody>
       </p:sp>
@@ -7984,6 +7982,11 @@
   </a:themeElements>
   <a:objectDefaults/>
   <a:extraClrSchemeLst/>
+  <a:extLst>
+    <a:ext uri="{05A4C25C-085E-4340-85A3-A5531E510DB2}">
+      <thm15:themeFamily xmlns:thm15="http://schemas.microsoft.com/office/thememl/2012/main" name="Office Theme" id="{62F939B6-93AF-4DB8-9C6B-D6C7DFDC589F}" vid="{4A3C46E8-61CC-4603-A589-7422A47A8E4A}"/>
+    </a:ext>
+  </a:extLst>
 </a:theme>
 </file>
 
@@ -8242,7 +8245,7 @@
   <a:extraClrSchemeLst/>
   <a:extLst>
     <a:ext uri="{05A4C25C-085E-4340-85A3-A5531E510DB2}">
-      <thm15:themeFamily xmlns="" xmlns:thm15="http://schemas.microsoft.com/office/thememl/2012/main" name="Office Theme" id="{62F939B6-93AF-4DB8-9C6B-D6C7DFDC589F}" vid="{4A3C46E8-61CC-4603-A589-7422A47A8E4A}"/>
+      <thm15:themeFamily xmlns:thm15="http://schemas.microsoft.com/office/thememl/2012/main" name="Office Theme" id="{62F939B6-93AF-4DB8-9C6B-D6C7DFDC589F}" vid="{4A3C46E8-61CC-4603-A589-7422A47A8E4A}"/>
     </a:ext>
   </a:extLst>
 </a:theme>
